--- a/Powerpoint/ProjectPresentation_Draft.pptx
+++ b/Powerpoint/ProjectPresentation_Draft.pptx
@@ -5,7 +5,7 @@
     <p:sldMasterId id="2147483660" r:id="rId1"/>
   </p:sldMasterIdLst>
   <p:notesMasterIdLst>
-    <p:notesMasterId r:id="rId18"/>
+    <p:notesMasterId r:id="rId19"/>
   </p:notesMasterIdLst>
   <p:sldIdLst>
     <p:sldId id="256" r:id="rId2"/>
@@ -19,11 +19,12 @@
     <p:sldId id="265" r:id="rId10"/>
     <p:sldId id="274" r:id="rId11"/>
     <p:sldId id="275" r:id="rId12"/>
-    <p:sldId id="273" r:id="rId13"/>
-    <p:sldId id="266" r:id="rId14"/>
-    <p:sldId id="271" r:id="rId15"/>
-    <p:sldId id="267" r:id="rId16"/>
-    <p:sldId id="270" r:id="rId17"/>
+    <p:sldId id="276" r:id="rId13"/>
+    <p:sldId id="273" r:id="rId14"/>
+    <p:sldId id="266" r:id="rId15"/>
+    <p:sldId id="271" r:id="rId16"/>
+    <p:sldId id="267" r:id="rId17"/>
+    <p:sldId id="270" r:id="rId18"/>
   </p:sldIdLst>
   <p:sldSz cx="9144000" cy="6858000" type="screen4x3"/>
   <p:notesSz cx="6858000" cy="9144000"/>
@@ -658,7 +659,7 @@
           <a:p>
             <a:fld id="{BD021978-770D-48BB-9CCB-2A202B29B8FB}" type="slidenum">
               <a:rPr lang="en-US" smtClean="0"/>
-              <a:t>13</a:t>
+              <a:t>14</a:t>
             </a:fld>
             <a:endParaRPr lang="en-US"/>
           </a:p>
@@ -746,7 +747,7 @@
           <a:p>
             <a:fld id="{BD021978-770D-48BB-9CCB-2A202B29B8FB}" type="slidenum">
               <a:rPr lang="en-US" smtClean="0"/>
-              <a:t>14</a:t>
+              <a:t>15</a:t>
             </a:fld>
             <a:endParaRPr lang="en-US"/>
           </a:p>
@@ -834,7 +835,7 @@
           <a:p>
             <a:fld id="{BD021978-770D-48BB-9CCB-2A202B29B8FB}" type="slidenum">
               <a:rPr lang="en-US" smtClean="0"/>
-              <a:t>15</a:t>
+              <a:t>16</a:t>
             </a:fld>
             <a:endParaRPr lang="en-US"/>
           </a:p>
@@ -932,7 +933,7 @@
           <a:p>
             <a:fld id="{BD021978-770D-48BB-9CCB-2A202B29B8FB}" type="slidenum">
               <a:rPr lang="en-US" smtClean="0"/>
-              <a:t>16</a:t>
+              <a:t>17</a:t>
             </a:fld>
             <a:endParaRPr lang="en-US"/>
           </a:p>
@@ -1643,7 +1644,7 @@
           <a:p>
             <a:fld id="{BD021978-770D-48BB-9CCB-2A202B29B8FB}" type="slidenum">
               <a:rPr lang="en-US" smtClean="0"/>
-              <a:t>12</a:t>
+              <a:t>13</a:t>
             </a:fld>
             <a:endParaRPr lang="en-US"/>
           </a:p>
@@ -5083,6 +5084,640 @@
             <p:ph type="title"/>
           </p:nvPr>
         </p:nvSpPr>
+        <p:spPr/>
+        <p:txBody>
+          <a:bodyPr/>
+          <a:lstStyle/>
+          <a:p>
+            <a:r>
+              <a:rPr lang="en-US" b="1" dirty="0" smtClean="0"/>
+              <a:t>Validation</a:t>
+            </a:r>
+            <a:endParaRPr lang="en-US" b="1" dirty="0"/>
+          </a:p>
+        </p:txBody>
+      </p:sp>
+      <p:sp>
+        <p:nvSpPr>
+          <p:cNvPr id="3" name="Content Placeholder 2"/>
+          <p:cNvSpPr>
+            <a:spLocks noGrp="1"/>
+          </p:cNvSpPr>
+          <p:nvPr>
+            <p:ph idx="1"/>
+          </p:nvPr>
+        </p:nvSpPr>
+        <p:spPr>
+          <a:xfrm>
+            <a:off x="628650" y="1825625"/>
+            <a:ext cx="7886700" cy="897478"/>
+          </a:xfrm>
+        </p:spPr>
+        <p:txBody>
+          <a:bodyPr/>
+          <a:lstStyle/>
+          <a:p>
+            <a:r>
+              <a:rPr lang="en-US" dirty="0"/>
+              <a:t>5-fold cross validation</a:t>
+            </a:r>
+          </a:p>
+          <a:p>
+            <a:endParaRPr lang="en-US" dirty="0"/>
+          </a:p>
+        </p:txBody>
+      </p:sp>
+      <p:graphicFrame>
+        <p:nvGraphicFramePr>
+          <p:cNvPr id="4" name="Table 3"/>
+          <p:cNvGraphicFramePr>
+            <a:graphicFrameLocks noGrp="1"/>
+          </p:cNvGraphicFramePr>
+          <p:nvPr>
+            <p:extLst>
+              <p:ext uri="{D42A27DB-BD31-4B8C-83A1-F6EECF244321}">
+                <p14:modId xmlns:p14="http://schemas.microsoft.com/office/powerpoint/2010/main" val="1407564330"/>
+              </p:ext>
+            </p:extLst>
+          </p:nvPr>
+        </p:nvGraphicFramePr>
+        <p:xfrm>
+          <a:off x="150728" y="3046268"/>
+          <a:ext cx="8922408" cy="3199884"/>
+        </p:xfrm>
+        <a:graphic>
+          <a:graphicData uri="http://schemas.openxmlformats.org/drawingml/2006/table">
+            <a:tbl>
+              <a:tblPr firstRow="1" bandRow="1">
+                <a:tableStyleId>{616DA210-FB5B-4158-B5E0-FEB733F419BA}</a:tableStyleId>
+              </a:tblPr>
+              <a:tblGrid>
+                <a:gridCol w="1964133"/>
+                <a:gridCol w="902017"/>
+                <a:gridCol w="902017"/>
+                <a:gridCol w="978217"/>
+                <a:gridCol w="902017"/>
+                <a:gridCol w="902017"/>
+                <a:gridCol w="2371990"/>
+              </a:tblGrid>
+              <a:tr h="751668">
+                <a:tc>
+                  <a:txBody>
+                    <a:bodyPr/>
+                    <a:lstStyle/>
+                    <a:p>
+                      <a:pPr algn="ctr"/>
+                      <a:r>
+                        <a:rPr lang="en-US" sz="2800" dirty="0" smtClean="0"/>
+                        <a:t>Model\Fold</a:t>
+                      </a:r>
+                      <a:endParaRPr lang="en-US" sz="2800" dirty="0"/>
+                    </a:p>
+                  </a:txBody>
+                  <a:tcPr anchor="ctr"/>
+                </a:tc>
+                <a:tc>
+                  <a:txBody>
+                    <a:bodyPr/>
+                    <a:lstStyle/>
+                    <a:p>
+                      <a:pPr algn="ctr"/>
+                      <a:r>
+                        <a:rPr lang="en-US" sz="2800" dirty="0" smtClean="0"/>
+                        <a:t>1</a:t>
+                      </a:r>
+                      <a:endParaRPr lang="en-US" sz="2800" dirty="0"/>
+                    </a:p>
+                  </a:txBody>
+                  <a:tcPr anchor="ctr"/>
+                </a:tc>
+                <a:tc>
+                  <a:txBody>
+                    <a:bodyPr/>
+                    <a:lstStyle/>
+                    <a:p>
+                      <a:pPr algn="ctr"/>
+                      <a:r>
+                        <a:rPr lang="en-US" sz="2800" dirty="0" smtClean="0"/>
+                        <a:t>2</a:t>
+                      </a:r>
+                      <a:endParaRPr lang="en-US" sz="2800" dirty="0"/>
+                    </a:p>
+                  </a:txBody>
+                  <a:tcPr anchor="ctr"/>
+                </a:tc>
+                <a:tc>
+                  <a:txBody>
+                    <a:bodyPr/>
+                    <a:lstStyle/>
+                    <a:p>
+                      <a:pPr algn="ctr"/>
+                      <a:r>
+                        <a:rPr lang="en-US" sz="2800" dirty="0" smtClean="0"/>
+                        <a:t>3</a:t>
+                      </a:r>
+                      <a:endParaRPr lang="en-US" sz="2800" dirty="0"/>
+                    </a:p>
+                  </a:txBody>
+                  <a:tcPr anchor="ctr"/>
+                </a:tc>
+                <a:tc>
+                  <a:txBody>
+                    <a:bodyPr/>
+                    <a:lstStyle/>
+                    <a:p>
+                      <a:pPr algn="ctr"/>
+                      <a:r>
+                        <a:rPr lang="en-US" sz="2800" dirty="0" smtClean="0"/>
+                        <a:t>4</a:t>
+                      </a:r>
+                      <a:endParaRPr lang="en-US" sz="2800" dirty="0"/>
+                    </a:p>
+                  </a:txBody>
+                  <a:tcPr anchor="ctr"/>
+                </a:tc>
+                <a:tc>
+                  <a:txBody>
+                    <a:bodyPr/>
+                    <a:lstStyle/>
+                    <a:p>
+                      <a:pPr algn="ctr"/>
+                      <a:r>
+                        <a:rPr lang="en-US" sz="2800" dirty="0" smtClean="0"/>
+                        <a:t>5</a:t>
+                      </a:r>
+                      <a:endParaRPr lang="en-US" sz="2800" dirty="0"/>
+                    </a:p>
+                  </a:txBody>
+                  <a:tcPr anchor="ctr"/>
+                </a:tc>
+                <a:tc>
+                  <a:txBody>
+                    <a:bodyPr/>
+                    <a:lstStyle/>
+                    <a:p>
+                      <a:pPr algn="ctr"/>
+                      <a:r>
+                        <a:rPr lang="en-US" sz="2800" dirty="0" smtClean="0"/>
+                        <a:t>Mean(+/- </a:t>
+                      </a:r>
+                      <a:r>
+                        <a:rPr lang="en-US" sz="2800" dirty="0" err="1" smtClean="0"/>
+                        <a:t>std</a:t>
+                      </a:r>
+                      <a:r>
+                        <a:rPr lang="en-US" sz="2800" dirty="0" smtClean="0"/>
+                        <a:t>)</a:t>
+                      </a:r>
+                      <a:endParaRPr lang="en-US" sz="2800" dirty="0"/>
+                    </a:p>
+                  </a:txBody>
+                  <a:tcPr anchor="ctr"/>
+                </a:tc>
+              </a:tr>
+              <a:tr h="751668">
+                <a:tc>
+                  <a:txBody>
+                    <a:bodyPr/>
+                    <a:lstStyle/>
+                    <a:p>
+                      <a:pPr algn="ctr"/>
+                      <a:r>
+                        <a:rPr lang="en-US" sz="2800" b="1" dirty="0" smtClean="0"/>
+                        <a:t>SVM</a:t>
+                      </a:r>
+                      <a:endParaRPr lang="en-US" sz="2800" b="1" dirty="0"/>
+                    </a:p>
+                  </a:txBody>
+                  <a:tcPr anchor="ctr"/>
+                </a:tc>
+                <a:tc>
+                  <a:txBody>
+                    <a:bodyPr/>
+                    <a:lstStyle/>
+                    <a:p>
+                      <a:pPr algn="ctr"/>
+                      <a:r>
+                        <a:rPr lang="en-US" sz="2800" dirty="0" smtClean="0"/>
+                        <a:t>0.45</a:t>
+                      </a:r>
+                      <a:endParaRPr lang="en-US" sz="2800" dirty="0"/>
+                    </a:p>
+                  </a:txBody>
+                  <a:tcPr anchor="ctr"/>
+                </a:tc>
+                <a:tc>
+                  <a:txBody>
+                    <a:bodyPr/>
+                    <a:lstStyle/>
+                    <a:p>
+                      <a:pPr algn="ctr"/>
+                      <a:r>
+                        <a:rPr lang="en-US" sz="2800" dirty="0" smtClean="0"/>
+                        <a:t>0.45</a:t>
+                      </a:r>
+                      <a:endParaRPr lang="en-US" sz="2800" dirty="0"/>
+                    </a:p>
+                  </a:txBody>
+                  <a:tcPr anchor="ctr"/>
+                </a:tc>
+                <a:tc>
+                  <a:txBody>
+                    <a:bodyPr/>
+                    <a:lstStyle/>
+                    <a:p>
+                      <a:pPr algn="ctr"/>
+                      <a:r>
+                        <a:rPr lang="en-US" sz="2800" dirty="0" smtClean="0"/>
+                        <a:t>0.44</a:t>
+                      </a:r>
+                      <a:endParaRPr lang="en-US" sz="2800" dirty="0"/>
+                    </a:p>
+                  </a:txBody>
+                  <a:tcPr anchor="ctr"/>
+                </a:tc>
+                <a:tc>
+                  <a:txBody>
+                    <a:bodyPr/>
+                    <a:lstStyle/>
+                    <a:p>
+                      <a:pPr algn="ctr"/>
+                      <a:r>
+                        <a:rPr lang="en-US" sz="2800" dirty="0" smtClean="0"/>
+                        <a:t>0.47</a:t>
+                      </a:r>
+                      <a:endParaRPr lang="en-US" sz="2800" dirty="0"/>
+                    </a:p>
+                  </a:txBody>
+                  <a:tcPr anchor="ctr"/>
+                </a:tc>
+                <a:tc>
+                  <a:txBody>
+                    <a:bodyPr/>
+                    <a:lstStyle/>
+                    <a:p>
+                      <a:pPr algn="ctr"/>
+                      <a:r>
+                        <a:rPr lang="en-US" sz="2800" dirty="0" smtClean="0"/>
+                        <a:t>0.46</a:t>
+                      </a:r>
+                      <a:endParaRPr lang="en-US" sz="2800" dirty="0"/>
+                    </a:p>
+                  </a:txBody>
+                  <a:tcPr anchor="ctr"/>
+                </a:tc>
+                <a:tc>
+                  <a:txBody>
+                    <a:bodyPr/>
+                    <a:lstStyle/>
+                    <a:p>
+                      <a:pPr algn="ctr"/>
+                      <a:r>
+                        <a:rPr lang="en-US" sz="2800" dirty="0" smtClean="0"/>
+                        <a:t>0.45 (+/- 0.01)</a:t>
+                      </a:r>
+                      <a:endParaRPr lang="en-US" sz="2800" dirty="0"/>
+                    </a:p>
+                  </a:txBody>
+                  <a:tcPr anchor="ctr"/>
+                </a:tc>
+              </a:tr>
+              <a:tr h="751668">
+                <a:tc>
+                  <a:txBody>
+                    <a:bodyPr/>
+                    <a:lstStyle/>
+                    <a:p>
+                      <a:pPr algn="ctr"/>
+                      <a:r>
+                        <a:rPr lang="en-US" sz="2800" b="1" dirty="0" smtClean="0"/>
+                        <a:t>Linear SVM</a:t>
+                      </a:r>
+                      <a:endParaRPr lang="en-US" sz="2800" b="1" dirty="0"/>
+                    </a:p>
+                  </a:txBody>
+                  <a:tcPr anchor="ctr"/>
+                </a:tc>
+                <a:tc>
+                  <a:txBody>
+                    <a:bodyPr/>
+                    <a:lstStyle/>
+                    <a:p>
+                      <a:pPr algn="ctr"/>
+                      <a:r>
+                        <a:rPr lang="en-US" sz="2800" dirty="0" smtClean="0"/>
+                        <a:t>0.93</a:t>
+                      </a:r>
+                      <a:endParaRPr lang="en-US" sz="2800" dirty="0"/>
+                    </a:p>
+                  </a:txBody>
+                  <a:tcPr anchor="ctr"/>
+                </a:tc>
+                <a:tc>
+                  <a:txBody>
+                    <a:bodyPr/>
+                    <a:lstStyle/>
+                    <a:p>
+                      <a:pPr algn="ctr"/>
+                      <a:r>
+                        <a:rPr lang="en-US" sz="2800" dirty="0" smtClean="0"/>
+                        <a:t>0.92</a:t>
+                      </a:r>
+                      <a:endParaRPr lang="en-US" sz="2800" dirty="0"/>
+                    </a:p>
+                  </a:txBody>
+                  <a:tcPr anchor="ctr"/>
+                </a:tc>
+                <a:tc>
+                  <a:txBody>
+                    <a:bodyPr/>
+                    <a:lstStyle/>
+                    <a:p>
+                      <a:pPr algn="ctr"/>
+                      <a:r>
+                        <a:rPr lang="en-US" sz="2800" dirty="0" smtClean="0"/>
+                        <a:t>0. 90</a:t>
+                      </a:r>
+                      <a:endParaRPr lang="en-US" sz="2800" dirty="0"/>
+                    </a:p>
+                  </a:txBody>
+                  <a:tcPr anchor="ctr"/>
+                </a:tc>
+                <a:tc>
+                  <a:txBody>
+                    <a:bodyPr/>
+                    <a:lstStyle/>
+                    <a:p>
+                      <a:pPr algn="ctr"/>
+                      <a:r>
+                        <a:rPr lang="en-US" sz="2800" dirty="0" smtClean="0"/>
+                        <a:t>0.91</a:t>
+                      </a:r>
+                      <a:endParaRPr lang="en-US" sz="2800" dirty="0"/>
+                    </a:p>
+                  </a:txBody>
+                  <a:tcPr anchor="ctr"/>
+                </a:tc>
+                <a:tc>
+                  <a:txBody>
+                    <a:bodyPr/>
+                    <a:lstStyle/>
+                    <a:p>
+                      <a:pPr algn="ctr"/>
+                      <a:r>
+                        <a:rPr lang="en-US" sz="2800" dirty="0" smtClean="0"/>
+                        <a:t>0.89</a:t>
+                      </a:r>
+                      <a:endParaRPr lang="en-US" sz="2800" dirty="0"/>
+                    </a:p>
+                  </a:txBody>
+                  <a:tcPr anchor="ctr"/>
+                </a:tc>
+                <a:tc>
+                  <a:txBody>
+                    <a:bodyPr/>
+                    <a:lstStyle/>
+                    <a:p>
+                      <a:pPr algn="ctr"/>
+                      <a:r>
+                        <a:rPr lang="en-US" sz="2800" dirty="0" smtClean="0"/>
+                        <a:t>0.91 (+/- 0.03)</a:t>
+                      </a:r>
+                      <a:endParaRPr lang="en-US" sz="2800" dirty="0"/>
+                    </a:p>
+                  </a:txBody>
+                  <a:tcPr anchor="ctr"/>
+                </a:tc>
+              </a:tr>
+              <a:tr h="751668">
+                <a:tc>
+                  <a:txBody>
+                    <a:bodyPr/>
+                    <a:lstStyle/>
+                    <a:p>
+                      <a:pPr algn="ctr"/>
+                      <a:r>
+                        <a:rPr lang="en-US" sz="2800" b="1" dirty="0" smtClean="0"/>
+                        <a:t>Random Forest</a:t>
+                      </a:r>
+                      <a:endParaRPr lang="en-US" sz="2800" b="1" dirty="0"/>
+                    </a:p>
+                  </a:txBody>
+                  <a:tcPr anchor="ctr"/>
+                </a:tc>
+                <a:tc>
+                  <a:txBody>
+                    <a:bodyPr/>
+                    <a:lstStyle/>
+                    <a:p>
+                      <a:pPr algn="ctr"/>
+                      <a:r>
+                        <a:rPr lang="en-US" sz="2800" b="1" dirty="0" smtClean="0">
+                          <a:solidFill>
+                            <a:srgbClr val="FF0000"/>
+                          </a:solidFill>
+                        </a:rPr>
+                        <a:t>0.98</a:t>
+                      </a:r>
+                      <a:endParaRPr lang="en-US" sz="2800" b="1" dirty="0">
+                        <a:solidFill>
+                          <a:srgbClr val="FF0000"/>
+                        </a:solidFill>
+                      </a:endParaRPr>
+                    </a:p>
+                  </a:txBody>
+                  <a:tcPr anchor="ctr"/>
+                </a:tc>
+                <a:tc>
+                  <a:txBody>
+                    <a:bodyPr/>
+                    <a:lstStyle/>
+                    <a:p>
+                      <a:pPr algn="ctr"/>
+                      <a:r>
+                        <a:rPr lang="en-US" sz="2800" b="1" dirty="0" smtClean="0">
+                          <a:solidFill>
+                            <a:srgbClr val="FF0000"/>
+                          </a:solidFill>
+                        </a:rPr>
+                        <a:t>0.99</a:t>
+                      </a:r>
+                      <a:endParaRPr lang="en-US" sz="2800" b="1" dirty="0">
+                        <a:solidFill>
+                          <a:srgbClr val="FF0000"/>
+                        </a:solidFill>
+                      </a:endParaRPr>
+                    </a:p>
+                  </a:txBody>
+                  <a:tcPr anchor="ctr"/>
+                </a:tc>
+                <a:tc>
+                  <a:txBody>
+                    <a:bodyPr/>
+                    <a:lstStyle/>
+                    <a:p>
+                      <a:pPr algn="ctr"/>
+                      <a:r>
+                        <a:rPr lang="en-US" sz="2800" b="1" dirty="0" smtClean="0">
+                          <a:solidFill>
+                            <a:srgbClr val="FF0000"/>
+                          </a:solidFill>
+                        </a:rPr>
+                        <a:t>0.98</a:t>
+                      </a:r>
+                      <a:endParaRPr lang="en-US" sz="2800" b="1" dirty="0">
+                        <a:solidFill>
+                          <a:srgbClr val="FF0000"/>
+                        </a:solidFill>
+                      </a:endParaRPr>
+                    </a:p>
+                  </a:txBody>
+                  <a:tcPr anchor="ctr"/>
+                </a:tc>
+                <a:tc>
+                  <a:txBody>
+                    <a:bodyPr/>
+                    <a:lstStyle/>
+                    <a:p>
+                      <a:pPr algn="ctr"/>
+                      <a:r>
+                        <a:rPr lang="en-US" sz="2800" b="1" dirty="0" smtClean="0">
+                          <a:solidFill>
+                            <a:srgbClr val="FF0000"/>
+                          </a:solidFill>
+                        </a:rPr>
+                        <a:t>0.97</a:t>
+                      </a:r>
+                      <a:endParaRPr lang="en-US" sz="2800" b="1" dirty="0">
+                        <a:solidFill>
+                          <a:srgbClr val="FF0000"/>
+                        </a:solidFill>
+                      </a:endParaRPr>
+                    </a:p>
+                  </a:txBody>
+                  <a:tcPr anchor="ctr"/>
+                </a:tc>
+                <a:tc>
+                  <a:txBody>
+                    <a:bodyPr/>
+                    <a:lstStyle/>
+                    <a:p>
+                      <a:pPr algn="ctr"/>
+                      <a:r>
+                        <a:rPr lang="en-US" sz="2800" b="1" dirty="0" smtClean="0">
+                          <a:solidFill>
+                            <a:srgbClr val="FF0000"/>
+                          </a:solidFill>
+                        </a:rPr>
+                        <a:t>0.99</a:t>
+                      </a:r>
+                      <a:endParaRPr lang="en-US" sz="2800" b="1" dirty="0">
+                        <a:solidFill>
+                          <a:srgbClr val="FF0000"/>
+                        </a:solidFill>
+                      </a:endParaRPr>
+                    </a:p>
+                  </a:txBody>
+                  <a:tcPr anchor="ctr"/>
+                </a:tc>
+                <a:tc>
+                  <a:txBody>
+                    <a:bodyPr/>
+                    <a:lstStyle/>
+                    <a:p>
+                      <a:pPr algn="ctr"/>
+                      <a:r>
+                        <a:rPr lang="en-US" sz="2800" b="1" dirty="0" smtClean="0">
+                          <a:solidFill>
+                            <a:srgbClr val="FF0000"/>
+                          </a:solidFill>
+                        </a:rPr>
+                        <a:t>0.98</a:t>
+                      </a:r>
+                      <a:r>
+                        <a:rPr lang="en-US" sz="2800" dirty="0" smtClean="0"/>
+                        <a:t> (+/- 0.01)</a:t>
+                      </a:r>
+                      <a:endParaRPr lang="en-US" sz="2800" dirty="0"/>
+                    </a:p>
+                  </a:txBody>
+                  <a:tcPr anchor="ctr"/>
+                </a:tc>
+              </a:tr>
+            </a:tbl>
+          </a:graphicData>
+        </a:graphic>
+      </p:graphicFrame>
+      <p:sp>
+        <p:nvSpPr>
+          <p:cNvPr id="5" name="TextBox 4"/>
+          <p:cNvSpPr txBox="1"/>
+          <p:nvPr/>
+        </p:nvSpPr>
+        <p:spPr>
+          <a:xfrm>
+            <a:off x="3615909" y="2399937"/>
+            <a:ext cx="2362860" cy="646331"/>
+          </a:xfrm>
+          <a:prstGeom prst="rect">
+            <a:avLst/>
+          </a:prstGeom>
+          <a:noFill/>
+        </p:spPr>
+        <p:txBody>
+          <a:bodyPr wrap="square" rtlCol="0">
+            <a:spAutoFit/>
+          </a:bodyPr>
+          <a:lstStyle/>
+          <a:p>
+            <a:r>
+              <a:rPr lang="en-US" sz="3600" b="1" dirty="0" smtClean="0"/>
+              <a:t>Accuracy</a:t>
+            </a:r>
+            <a:endParaRPr lang="en-US" sz="3600" b="1" dirty="0"/>
+          </a:p>
+        </p:txBody>
+      </p:sp>
+    </p:spTree>
+    <p:extLst>
+      <p:ext uri="{BB962C8B-B14F-4D97-AF65-F5344CB8AC3E}">
+        <p14:creationId xmlns:p14="http://schemas.microsoft.com/office/powerpoint/2010/main" val="3531568163"/>
+      </p:ext>
+    </p:extLst>
+  </p:cSld>
+  <p:clrMapOvr>
+    <a:masterClrMapping/>
+  </p:clrMapOvr>
+</p:sld>
+</file>
+
+<file path=ppt/slides/slide13.xml><?xml version="1.0" encoding="utf-8"?>
+<p:sld xmlns:a="http://schemas.openxmlformats.org/drawingml/2006/main" xmlns:r="http://schemas.openxmlformats.org/officeDocument/2006/relationships" xmlns:p="http://schemas.openxmlformats.org/presentationml/2006/main">
+  <p:cSld>
+    <p:spTree>
+      <p:nvGrpSpPr>
+        <p:cNvPr id="1" name=""/>
+        <p:cNvGrpSpPr/>
+        <p:nvPr/>
+      </p:nvGrpSpPr>
+      <p:grpSpPr>
+        <a:xfrm>
+          <a:off x="0" y="0"/>
+          <a:ext cx="0" cy="0"/>
+          <a:chOff x="0" y="0"/>
+          <a:chExt cx="0" cy="0"/>
+        </a:xfrm>
+      </p:grpSpPr>
+      <p:sp>
+        <p:nvSpPr>
+          <p:cNvPr id="2" name="Title 1"/>
+          <p:cNvSpPr>
+            <a:spLocks noGrp="1"/>
+          </p:cNvSpPr>
+          <p:nvPr>
+            <p:ph type="title"/>
+          </p:nvPr>
+        </p:nvSpPr>
         <p:spPr>
           <a:xfrm>
             <a:off x="277089" y="198871"/>
@@ -5432,7 +6067,7 @@
 </p:sld>
 </file>
 
-<file path=ppt/slides/slide13.xml><?xml version="1.0" encoding="utf-8"?>
+<file path=ppt/slides/slide14.xml><?xml version="1.0" encoding="utf-8"?>
 <p:sld xmlns:a="http://schemas.openxmlformats.org/drawingml/2006/main" xmlns:r="http://schemas.openxmlformats.org/officeDocument/2006/relationships" xmlns:p="http://schemas.openxmlformats.org/presentationml/2006/main">
   <p:cSld>
     <p:spTree>
@@ -5517,7 +6152,7 @@
 </p:sld>
 </file>
 
-<file path=ppt/slides/slide14.xml><?xml version="1.0" encoding="utf-8"?>
+<file path=ppt/slides/slide15.xml><?xml version="1.0" encoding="utf-8"?>
 <p:sld xmlns:a="http://schemas.openxmlformats.org/drawingml/2006/main" xmlns:r="http://schemas.openxmlformats.org/officeDocument/2006/relationships" xmlns:p="http://schemas.openxmlformats.org/presentationml/2006/main">
   <p:cSld>
     <p:spTree>
@@ -10871,7 +11506,7 @@
 </p:sld>
 </file>
 
-<file path=ppt/slides/slide15.xml><?xml version="1.0" encoding="utf-8"?>
+<file path=ppt/slides/slide16.xml><?xml version="1.0" encoding="utf-8"?>
 <p:sld xmlns:a="http://schemas.openxmlformats.org/drawingml/2006/main" xmlns:r="http://schemas.openxmlformats.org/officeDocument/2006/relationships" xmlns:p="http://schemas.openxmlformats.org/presentationml/2006/main">
   <p:cSld>
     <p:spTree>
@@ -11033,7 +11668,7 @@
 </p:sld>
 </file>
 
-<file path=ppt/slides/slide16.xml><?xml version="1.0" encoding="utf-8"?>
+<file path=ppt/slides/slide17.xml><?xml version="1.0" encoding="utf-8"?>
 <p:sld xmlns:a="http://schemas.openxmlformats.org/drawingml/2006/main" xmlns:r="http://schemas.openxmlformats.org/officeDocument/2006/relationships" xmlns:p="http://schemas.openxmlformats.org/presentationml/2006/main">
   <p:cSld>
     <p:spTree>
@@ -23865,13 +24500,13 @@
         </p:nvSpPr>
         <p:spPr>
           <a:xfrm>
-            <a:off x="628650" y="1435953"/>
-            <a:ext cx="7886700" cy="3359325"/>
+            <a:off x="628650" y="2320207"/>
+            <a:ext cx="7886700" cy="4040399"/>
           </a:xfrm>
         </p:spPr>
         <p:txBody>
           <a:bodyPr>
-            <a:normAutofit lnSpcReduction="10000"/>
+            <a:normAutofit/>
           </a:bodyPr>
           <a:lstStyle/>
           <a:p>
@@ -23907,568 +24542,6 @@
               <a:t>Random Forest Classifier</a:t>
             </a:r>
             <a:endParaRPr lang="en-US" sz="3200" dirty="0"/>
-          </a:p>
-          <a:p>
-            <a:pPr>
-              <a:lnSpc>
-                <a:spcPct val="150000"/>
-              </a:lnSpc>
-            </a:pPr>
-            <a:r>
-              <a:rPr lang="en-US" sz="3600" dirty="0" smtClean="0"/>
-              <a:t>5-fold cross validation</a:t>
-            </a:r>
-          </a:p>
-        </p:txBody>
-      </p:sp>
-      <p:graphicFrame>
-        <p:nvGraphicFramePr>
-          <p:cNvPr id="4" name="Table 3"/>
-          <p:cNvGraphicFramePr>
-            <a:graphicFrameLocks noGrp="1"/>
-          </p:cNvGraphicFramePr>
-          <p:nvPr>
-            <p:extLst>
-              <p:ext uri="{D42A27DB-BD31-4B8C-83A1-F6EECF244321}">
-                <p14:modId xmlns:p14="http://schemas.microsoft.com/office/powerpoint/2010/main" val="3722023934"/>
-              </p:ext>
-            </p:extLst>
-          </p:nvPr>
-        </p:nvGraphicFramePr>
-        <p:xfrm>
-          <a:off x="1276143" y="5184949"/>
-          <a:ext cx="6456300" cy="1483360"/>
-        </p:xfrm>
-        <a:graphic>
-          <a:graphicData uri="http://schemas.openxmlformats.org/drawingml/2006/table">
-            <a:tbl>
-              <a:tblPr firstRow="1" bandRow="1">
-                <a:tableStyleId>{616DA210-FB5B-4158-B5E0-FEB733F419BA}</a:tableStyleId>
-              </a:tblPr>
-              <a:tblGrid>
-                <a:gridCol w="1641094"/>
-                <a:gridCol w="640080"/>
-                <a:gridCol w="640080"/>
-                <a:gridCol w="692468"/>
-                <a:gridCol w="640080"/>
-                <a:gridCol w="640080"/>
-                <a:gridCol w="1562418"/>
-              </a:tblGrid>
-              <a:tr h="370840">
-                <a:tc>
-                  <a:txBody>
-                    <a:bodyPr/>
-                    <a:lstStyle/>
-                    <a:p>
-                      <a:pPr algn="ctr"/>
-                      <a:r>
-                        <a:rPr lang="en-US" dirty="0" smtClean="0"/>
-                        <a:t>Model\Fold</a:t>
-                      </a:r>
-                      <a:endParaRPr lang="en-US" dirty="0"/>
-                    </a:p>
-                  </a:txBody>
-                  <a:tcPr/>
-                </a:tc>
-                <a:tc>
-                  <a:txBody>
-                    <a:bodyPr/>
-                    <a:lstStyle/>
-                    <a:p>
-                      <a:pPr algn="ctr"/>
-                      <a:r>
-                        <a:rPr lang="en-US" dirty="0" smtClean="0"/>
-                        <a:t>1</a:t>
-                      </a:r>
-                      <a:endParaRPr lang="en-US" dirty="0"/>
-                    </a:p>
-                  </a:txBody>
-                  <a:tcPr/>
-                </a:tc>
-                <a:tc>
-                  <a:txBody>
-                    <a:bodyPr/>
-                    <a:lstStyle/>
-                    <a:p>
-                      <a:pPr algn="ctr"/>
-                      <a:r>
-                        <a:rPr lang="en-US" dirty="0" smtClean="0"/>
-                        <a:t>2</a:t>
-                      </a:r>
-                      <a:endParaRPr lang="en-US" dirty="0"/>
-                    </a:p>
-                  </a:txBody>
-                  <a:tcPr/>
-                </a:tc>
-                <a:tc>
-                  <a:txBody>
-                    <a:bodyPr/>
-                    <a:lstStyle/>
-                    <a:p>
-                      <a:pPr algn="ctr"/>
-                      <a:r>
-                        <a:rPr lang="en-US" dirty="0" smtClean="0"/>
-                        <a:t>3</a:t>
-                      </a:r>
-                      <a:endParaRPr lang="en-US" dirty="0"/>
-                    </a:p>
-                  </a:txBody>
-                  <a:tcPr/>
-                </a:tc>
-                <a:tc>
-                  <a:txBody>
-                    <a:bodyPr/>
-                    <a:lstStyle/>
-                    <a:p>
-                      <a:pPr algn="ctr"/>
-                      <a:r>
-                        <a:rPr lang="en-US" dirty="0" smtClean="0"/>
-                        <a:t>4</a:t>
-                      </a:r>
-                      <a:endParaRPr lang="en-US" dirty="0"/>
-                    </a:p>
-                  </a:txBody>
-                  <a:tcPr/>
-                </a:tc>
-                <a:tc>
-                  <a:txBody>
-                    <a:bodyPr/>
-                    <a:lstStyle/>
-                    <a:p>
-                      <a:pPr algn="ctr"/>
-                      <a:r>
-                        <a:rPr lang="en-US" dirty="0" smtClean="0"/>
-                        <a:t>5</a:t>
-                      </a:r>
-                      <a:endParaRPr lang="en-US" dirty="0"/>
-                    </a:p>
-                  </a:txBody>
-                  <a:tcPr/>
-                </a:tc>
-                <a:tc>
-                  <a:txBody>
-                    <a:bodyPr/>
-                    <a:lstStyle/>
-                    <a:p>
-                      <a:pPr algn="ctr"/>
-                      <a:r>
-                        <a:rPr lang="en-US" dirty="0" smtClean="0"/>
-                        <a:t>Mean(+/- </a:t>
-                      </a:r>
-                      <a:r>
-                        <a:rPr lang="en-US" dirty="0" err="1" smtClean="0"/>
-                        <a:t>std</a:t>
-                      </a:r>
-                      <a:r>
-                        <a:rPr lang="en-US" dirty="0" smtClean="0"/>
-                        <a:t>)</a:t>
-                      </a:r>
-                      <a:endParaRPr lang="en-US" dirty="0"/>
-                    </a:p>
-                  </a:txBody>
-                  <a:tcPr/>
-                </a:tc>
-              </a:tr>
-              <a:tr h="370840">
-                <a:tc>
-                  <a:txBody>
-                    <a:bodyPr/>
-                    <a:lstStyle/>
-                    <a:p>
-                      <a:pPr algn="ctr"/>
-                      <a:r>
-                        <a:rPr lang="en-US" b="1" dirty="0" smtClean="0"/>
-                        <a:t>SVM</a:t>
-                      </a:r>
-                      <a:endParaRPr lang="en-US" b="1" dirty="0"/>
-                    </a:p>
-                  </a:txBody>
-                  <a:tcPr/>
-                </a:tc>
-                <a:tc>
-                  <a:txBody>
-                    <a:bodyPr/>
-                    <a:lstStyle/>
-                    <a:p>
-                      <a:pPr algn="ctr"/>
-                      <a:r>
-                        <a:rPr lang="en-US" dirty="0" smtClean="0"/>
-                        <a:t>0.45</a:t>
-                      </a:r>
-                      <a:endParaRPr lang="en-US" dirty="0"/>
-                    </a:p>
-                  </a:txBody>
-                  <a:tcPr/>
-                </a:tc>
-                <a:tc>
-                  <a:txBody>
-                    <a:bodyPr/>
-                    <a:lstStyle/>
-                    <a:p>
-                      <a:pPr algn="ctr"/>
-                      <a:r>
-                        <a:rPr lang="en-US" dirty="0" smtClean="0"/>
-                        <a:t>0.45</a:t>
-                      </a:r>
-                      <a:endParaRPr lang="en-US" dirty="0"/>
-                    </a:p>
-                  </a:txBody>
-                  <a:tcPr/>
-                </a:tc>
-                <a:tc>
-                  <a:txBody>
-                    <a:bodyPr/>
-                    <a:lstStyle/>
-                    <a:p>
-                      <a:pPr algn="ctr"/>
-                      <a:r>
-                        <a:rPr lang="en-US" dirty="0" smtClean="0"/>
-                        <a:t>0.44</a:t>
-                      </a:r>
-                      <a:endParaRPr lang="en-US" dirty="0"/>
-                    </a:p>
-                  </a:txBody>
-                  <a:tcPr/>
-                </a:tc>
-                <a:tc>
-                  <a:txBody>
-                    <a:bodyPr/>
-                    <a:lstStyle/>
-                    <a:p>
-                      <a:pPr algn="ctr"/>
-                      <a:r>
-                        <a:rPr lang="en-US" dirty="0" smtClean="0"/>
-                        <a:t>0.47</a:t>
-                      </a:r>
-                      <a:endParaRPr lang="en-US" dirty="0"/>
-                    </a:p>
-                  </a:txBody>
-                  <a:tcPr/>
-                </a:tc>
-                <a:tc>
-                  <a:txBody>
-                    <a:bodyPr/>
-                    <a:lstStyle/>
-                    <a:p>
-                      <a:pPr algn="ctr"/>
-                      <a:r>
-                        <a:rPr lang="en-US" dirty="0" smtClean="0"/>
-                        <a:t>0.46</a:t>
-                      </a:r>
-                      <a:endParaRPr lang="en-US" dirty="0"/>
-                    </a:p>
-                  </a:txBody>
-                  <a:tcPr/>
-                </a:tc>
-                <a:tc>
-                  <a:txBody>
-                    <a:bodyPr/>
-                    <a:lstStyle/>
-                    <a:p>
-                      <a:pPr algn="ctr"/>
-                      <a:r>
-                        <a:rPr lang="en-US" dirty="0" smtClean="0"/>
-                        <a:t>0.45 (+/- 0.01)</a:t>
-                      </a:r>
-                      <a:endParaRPr lang="en-US" dirty="0"/>
-                    </a:p>
-                  </a:txBody>
-                  <a:tcPr/>
-                </a:tc>
-              </a:tr>
-              <a:tr h="370840">
-                <a:tc>
-                  <a:txBody>
-                    <a:bodyPr/>
-                    <a:lstStyle/>
-                    <a:p>
-                      <a:pPr algn="ctr"/>
-                      <a:r>
-                        <a:rPr lang="en-US" b="1" dirty="0" smtClean="0"/>
-                        <a:t>Linear SVM</a:t>
-                      </a:r>
-                      <a:endParaRPr lang="en-US" b="1" dirty="0"/>
-                    </a:p>
-                  </a:txBody>
-                  <a:tcPr/>
-                </a:tc>
-                <a:tc>
-                  <a:txBody>
-                    <a:bodyPr/>
-                    <a:lstStyle/>
-                    <a:p>
-                      <a:pPr algn="ctr"/>
-                      <a:r>
-                        <a:rPr lang="en-US" dirty="0" smtClean="0"/>
-                        <a:t>0.93</a:t>
-                      </a:r>
-                      <a:endParaRPr lang="en-US" dirty="0"/>
-                    </a:p>
-                  </a:txBody>
-                  <a:tcPr/>
-                </a:tc>
-                <a:tc>
-                  <a:txBody>
-                    <a:bodyPr/>
-                    <a:lstStyle/>
-                    <a:p>
-                      <a:pPr algn="ctr"/>
-                      <a:r>
-                        <a:rPr lang="en-US" dirty="0" smtClean="0"/>
-                        <a:t>0.92</a:t>
-                      </a:r>
-                      <a:endParaRPr lang="en-US" dirty="0"/>
-                    </a:p>
-                  </a:txBody>
-                  <a:tcPr/>
-                </a:tc>
-                <a:tc>
-                  <a:txBody>
-                    <a:bodyPr/>
-                    <a:lstStyle/>
-                    <a:p>
-                      <a:pPr algn="ctr"/>
-                      <a:r>
-                        <a:rPr lang="en-US" dirty="0" smtClean="0"/>
-                        <a:t>0. 90</a:t>
-                      </a:r>
-                      <a:endParaRPr lang="en-US" dirty="0"/>
-                    </a:p>
-                  </a:txBody>
-                  <a:tcPr/>
-                </a:tc>
-                <a:tc>
-                  <a:txBody>
-                    <a:bodyPr/>
-                    <a:lstStyle/>
-                    <a:p>
-                      <a:pPr algn="ctr"/>
-                      <a:r>
-                        <a:rPr lang="en-US" dirty="0" smtClean="0"/>
-                        <a:t>0.91</a:t>
-                      </a:r>
-                      <a:endParaRPr lang="en-US" dirty="0"/>
-                    </a:p>
-                  </a:txBody>
-                  <a:tcPr/>
-                </a:tc>
-                <a:tc>
-                  <a:txBody>
-                    <a:bodyPr/>
-                    <a:lstStyle/>
-                    <a:p>
-                      <a:pPr algn="ctr"/>
-                      <a:r>
-                        <a:rPr lang="en-US" dirty="0" smtClean="0"/>
-                        <a:t>0.89</a:t>
-                      </a:r>
-                      <a:endParaRPr lang="en-US" dirty="0"/>
-                    </a:p>
-                  </a:txBody>
-                  <a:tcPr/>
-                </a:tc>
-                <a:tc>
-                  <a:txBody>
-                    <a:bodyPr/>
-                    <a:lstStyle/>
-                    <a:p>
-                      <a:pPr algn="ctr"/>
-                      <a:r>
-                        <a:rPr lang="en-US" dirty="0" smtClean="0"/>
-                        <a:t>0.91 (+/- 0.03)</a:t>
-                      </a:r>
-                      <a:endParaRPr lang="en-US" dirty="0"/>
-                    </a:p>
-                  </a:txBody>
-                  <a:tcPr/>
-                </a:tc>
-              </a:tr>
-              <a:tr h="370840">
-                <a:tc>
-                  <a:txBody>
-                    <a:bodyPr/>
-                    <a:lstStyle/>
-                    <a:p>
-                      <a:pPr algn="ctr"/>
-                      <a:r>
-                        <a:rPr lang="en-US" b="1" dirty="0" smtClean="0"/>
-                        <a:t>Random Forest</a:t>
-                      </a:r>
-                      <a:endParaRPr lang="en-US" b="1" dirty="0"/>
-                    </a:p>
-                  </a:txBody>
-                  <a:tcPr/>
-                </a:tc>
-                <a:tc>
-                  <a:txBody>
-                    <a:bodyPr/>
-                    <a:lstStyle/>
-                    <a:p>
-                      <a:pPr algn="ctr"/>
-                      <a:r>
-                        <a:rPr lang="en-US" b="1" dirty="0" smtClean="0">
-                          <a:solidFill>
-                            <a:srgbClr val="FF0000"/>
-                          </a:solidFill>
-                        </a:rPr>
-                        <a:t>0.98</a:t>
-                      </a:r>
-                      <a:endParaRPr lang="en-US" b="1" dirty="0">
-                        <a:solidFill>
-                          <a:srgbClr val="FF0000"/>
-                        </a:solidFill>
-                      </a:endParaRPr>
-                    </a:p>
-                  </a:txBody>
-                  <a:tcPr/>
-                </a:tc>
-                <a:tc>
-                  <a:txBody>
-                    <a:bodyPr/>
-                    <a:lstStyle/>
-                    <a:p>
-                      <a:pPr algn="ctr"/>
-                      <a:r>
-                        <a:rPr lang="en-US" b="1" dirty="0" smtClean="0">
-                          <a:solidFill>
-                            <a:srgbClr val="FF0000"/>
-                          </a:solidFill>
-                        </a:rPr>
-                        <a:t>0.99</a:t>
-                      </a:r>
-                      <a:endParaRPr lang="en-US" b="1" dirty="0">
-                        <a:solidFill>
-                          <a:srgbClr val="FF0000"/>
-                        </a:solidFill>
-                      </a:endParaRPr>
-                    </a:p>
-                  </a:txBody>
-                  <a:tcPr/>
-                </a:tc>
-                <a:tc>
-                  <a:txBody>
-                    <a:bodyPr/>
-                    <a:lstStyle/>
-                    <a:p>
-                      <a:pPr algn="ctr"/>
-                      <a:r>
-                        <a:rPr lang="en-US" b="1" dirty="0" smtClean="0">
-                          <a:solidFill>
-                            <a:srgbClr val="FF0000"/>
-                          </a:solidFill>
-                        </a:rPr>
-                        <a:t>0.98</a:t>
-                      </a:r>
-                      <a:endParaRPr lang="en-US" b="1" dirty="0">
-                        <a:solidFill>
-                          <a:srgbClr val="FF0000"/>
-                        </a:solidFill>
-                      </a:endParaRPr>
-                    </a:p>
-                  </a:txBody>
-                  <a:tcPr/>
-                </a:tc>
-                <a:tc>
-                  <a:txBody>
-                    <a:bodyPr/>
-                    <a:lstStyle/>
-                    <a:p>
-                      <a:pPr algn="ctr"/>
-                      <a:r>
-                        <a:rPr lang="en-US" b="1" dirty="0" smtClean="0">
-                          <a:solidFill>
-                            <a:srgbClr val="FF0000"/>
-                          </a:solidFill>
-                        </a:rPr>
-                        <a:t>0.97</a:t>
-                      </a:r>
-                      <a:endParaRPr lang="en-US" b="1" dirty="0">
-                        <a:solidFill>
-                          <a:srgbClr val="FF0000"/>
-                        </a:solidFill>
-                      </a:endParaRPr>
-                    </a:p>
-                  </a:txBody>
-                  <a:tcPr/>
-                </a:tc>
-                <a:tc>
-                  <a:txBody>
-                    <a:bodyPr/>
-                    <a:lstStyle/>
-                    <a:p>
-                      <a:pPr algn="ctr"/>
-                      <a:r>
-                        <a:rPr lang="en-US" b="1" dirty="0" smtClean="0">
-                          <a:solidFill>
-                            <a:srgbClr val="FF0000"/>
-                          </a:solidFill>
-                        </a:rPr>
-                        <a:t>0.99</a:t>
-                      </a:r>
-                      <a:endParaRPr lang="en-US" b="1" dirty="0">
-                        <a:solidFill>
-                          <a:srgbClr val="FF0000"/>
-                        </a:solidFill>
-                      </a:endParaRPr>
-                    </a:p>
-                  </a:txBody>
-                  <a:tcPr/>
-                </a:tc>
-                <a:tc>
-                  <a:txBody>
-                    <a:bodyPr/>
-                    <a:lstStyle/>
-                    <a:p>
-                      <a:pPr algn="ctr"/>
-                      <a:r>
-                        <a:rPr lang="en-US" b="1" dirty="0" smtClean="0">
-                          <a:solidFill>
-                            <a:srgbClr val="FF0000"/>
-                          </a:solidFill>
-                        </a:rPr>
-                        <a:t>0.98</a:t>
-                      </a:r>
-                      <a:r>
-                        <a:rPr lang="en-US" dirty="0" smtClean="0"/>
-                        <a:t> (+/- 0.01)</a:t>
-                      </a:r>
-                      <a:endParaRPr lang="en-US" dirty="0"/>
-                    </a:p>
-                  </a:txBody>
-                  <a:tcPr/>
-                </a:tc>
-              </a:tr>
-            </a:tbl>
-          </a:graphicData>
-        </a:graphic>
-      </p:graphicFrame>
-      <p:sp>
-        <p:nvSpPr>
-          <p:cNvPr id="5" name="TextBox 4"/>
-          <p:cNvSpPr txBox="1"/>
-          <p:nvPr/>
-        </p:nvSpPr>
-        <p:spPr>
-          <a:xfrm>
-            <a:off x="3826924" y="4533668"/>
-            <a:ext cx="1490152" cy="523220"/>
-          </a:xfrm>
-          <a:prstGeom prst="rect">
-            <a:avLst/>
-          </a:prstGeom>
-          <a:noFill/>
-        </p:spPr>
-        <p:txBody>
-          <a:bodyPr wrap="none" rtlCol="0">
-            <a:spAutoFit/>
-          </a:bodyPr>
-          <a:lstStyle/>
-          <a:p>
-            <a:r>
-              <a:rPr lang="en-US" sz="2800" dirty="0" smtClean="0"/>
-              <a:t>Accuracy</a:t>
-            </a:r>
-            <a:endParaRPr lang="en-US" sz="2800" dirty="0"/>
           </a:p>
         </p:txBody>
       </p:sp>

--- a/Powerpoint/ProjectPresentation_Draft.pptx
+++ b/Powerpoint/ProjectPresentation_Draft.pptx
@@ -221,7 +221,7 @@
           <a:p>
             <a:fld id="{B7C7631C-A9DC-41CB-8361-5DDD15E7CE5C}" type="datetimeFigureOut">
               <a:rPr lang="en-US" smtClean="0"/>
-              <a:t>4/29/2015</a:t>
+              <a:t>4/30/2015</a:t>
             </a:fld>
             <a:endParaRPr lang="en-US"/>
           </a:p>
@@ -545,11 +545,7 @@
             </a:r>
             <a:r>
               <a:rPr lang="en-US" baseline="0" dirty="0" smtClean="0"/>
-              <a:t> </a:t>
-            </a:r>
-            <a:r>
-              <a:rPr lang="en-US" baseline="0" dirty="0" smtClean="0"/>
-              <a:t>and tumor suppression genes especially</a:t>
+              <a:t> and tumor suppression genes especially</a:t>
             </a:r>
             <a:endParaRPr lang="en-US" dirty="0"/>
           </a:p>
@@ -1358,11 +1354,7 @@
           <a:p>
             <a:r>
               <a:rPr lang="en-US" sz="1200" dirty="0" smtClean="0"/>
-              <a:t>Lesson </a:t>
-            </a:r>
-            <a:r>
-              <a:rPr lang="en-US" sz="1200" dirty="0" smtClean="0"/>
-              <a:t>learned: look at you data very carefully!</a:t>
+              <a:t>Lesson learned: look at you data very carefully!</a:t>
             </a:r>
             <a:endParaRPr lang="en-US" dirty="0"/>
           </a:p>
@@ -1799,7 +1791,7 @@
           <a:p>
             <a:fld id="{3725F9EA-79D2-4A85-AF2B-6AD6962FCEAD}" type="datetimeFigureOut">
               <a:rPr lang="en-US" smtClean="0"/>
-              <a:t>4/29/2015</a:t>
+              <a:t>4/30/2015</a:t>
             </a:fld>
             <a:endParaRPr lang="en-US"/>
           </a:p>
@@ -1969,7 +1961,7 @@
           <a:p>
             <a:fld id="{3725F9EA-79D2-4A85-AF2B-6AD6962FCEAD}" type="datetimeFigureOut">
               <a:rPr lang="en-US" smtClean="0"/>
-              <a:t>4/29/2015</a:t>
+              <a:t>4/30/2015</a:t>
             </a:fld>
             <a:endParaRPr lang="en-US"/>
           </a:p>
@@ -2149,7 +2141,7 @@
           <a:p>
             <a:fld id="{3725F9EA-79D2-4A85-AF2B-6AD6962FCEAD}" type="datetimeFigureOut">
               <a:rPr lang="en-US" smtClean="0"/>
-              <a:t>4/29/2015</a:t>
+              <a:t>4/30/2015</a:t>
             </a:fld>
             <a:endParaRPr lang="en-US"/>
           </a:p>
@@ -2319,7 +2311,7 @@
           <a:p>
             <a:fld id="{3725F9EA-79D2-4A85-AF2B-6AD6962FCEAD}" type="datetimeFigureOut">
               <a:rPr lang="en-US" smtClean="0"/>
-              <a:t>4/29/2015</a:t>
+              <a:t>4/30/2015</a:t>
             </a:fld>
             <a:endParaRPr lang="en-US"/>
           </a:p>
@@ -2563,7 +2555,7 @@
           <a:p>
             <a:fld id="{3725F9EA-79D2-4A85-AF2B-6AD6962FCEAD}" type="datetimeFigureOut">
               <a:rPr lang="en-US" smtClean="0"/>
-              <a:t>4/29/2015</a:t>
+              <a:t>4/30/2015</a:t>
             </a:fld>
             <a:endParaRPr lang="en-US"/>
           </a:p>
@@ -2795,7 +2787,7 @@
           <a:p>
             <a:fld id="{3725F9EA-79D2-4A85-AF2B-6AD6962FCEAD}" type="datetimeFigureOut">
               <a:rPr lang="en-US" smtClean="0"/>
-              <a:t>4/29/2015</a:t>
+              <a:t>4/30/2015</a:t>
             </a:fld>
             <a:endParaRPr lang="en-US"/>
           </a:p>
@@ -3162,7 +3154,7 @@
           <a:p>
             <a:fld id="{3725F9EA-79D2-4A85-AF2B-6AD6962FCEAD}" type="datetimeFigureOut">
               <a:rPr lang="en-US" smtClean="0"/>
-              <a:t>4/29/2015</a:t>
+              <a:t>4/30/2015</a:t>
             </a:fld>
             <a:endParaRPr lang="en-US"/>
           </a:p>
@@ -3280,7 +3272,7 @@
           <a:p>
             <a:fld id="{3725F9EA-79D2-4A85-AF2B-6AD6962FCEAD}" type="datetimeFigureOut">
               <a:rPr lang="en-US" smtClean="0"/>
-              <a:t>4/29/2015</a:t>
+              <a:t>4/30/2015</a:t>
             </a:fld>
             <a:endParaRPr lang="en-US"/>
           </a:p>
@@ -3375,7 +3367,7 @@
           <a:p>
             <a:fld id="{3725F9EA-79D2-4A85-AF2B-6AD6962FCEAD}" type="datetimeFigureOut">
               <a:rPr lang="en-US" smtClean="0"/>
-              <a:t>4/29/2015</a:t>
+              <a:t>4/30/2015</a:t>
             </a:fld>
             <a:endParaRPr lang="en-US"/>
           </a:p>
@@ -3652,7 +3644,7 @@
           <a:p>
             <a:fld id="{3725F9EA-79D2-4A85-AF2B-6AD6962FCEAD}" type="datetimeFigureOut">
               <a:rPr lang="en-US" smtClean="0"/>
-              <a:t>4/29/2015</a:t>
+              <a:t>4/30/2015</a:t>
             </a:fld>
             <a:endParaRPr lang="en-US"/>
           </a:p>
@@ -3909,7 +3901,7 @@
           <a:p>
             <a:fld id="{3725F9EA-79D2-4A85-AF2B-6AD6962FCEAD}" type="datetimeFigureOut">
               <a:rPr lang="en-US" smtClean="0"/>
-              <a:t>4/29/2015</a:t>
+              <a:t>4/30/2015</a:t>
             </a:fld>
             <a:endParaRPr lang="en-US"/>
           </a:p>
@@ -4122,7 +4114,7 @@
           <a:p>
             <a:fld id="{3725F9EA-79D2-4A85-AF2B-6AD6962FCEAD}" type="datetimeFigureOut">
               <a:rPr lang="en-US" smtClean="0"/>
-              <a:t>4/29/2015</a:t>
+              <a:t>4/30/2015</a:t>
             </a:fld>
             <a:endParaRPr lang="en-US"/>
           </a:p>
@@ -10739,10 +10731,6 @@
               </a:rPr>
               <a:t>This application can find primary cancer site from biopsy data from metastatic sites </a:t>
             </a:r>
-            <a:endParaRPr lang="en-US" dirty="0" smtClean="0">
-              <a:latin typeface="Arial" panose="020B0604020202020204" pitchFamily="34" charset="0"/>
-              <a:cs typeface="Arial" panose="020B0604020202020204" pitchFamily="34" charset="0"/>
-            </a:endParaRPr>
           </a:p>
           <a:p>
             <a:pPr lvl="1"/>
@@ -11153,7 +11141,7 @@
         <p:spPr>
           <a:xfrm>
             <a:off x="628650" y="365126"/>
-            <a:ext cx="7886700" cy="1325563"/>
+            <a:ext cx="7886700" cy="1463674"/>
           </a:xfrm>
         </p:spPr>
         <p:txBody>
@@ -11167,7 +11155,7 @@
                 <a:latin typeface="Arial" panose="020B0604020202020204" pitchFamily="34" charset="0"/>
                 <a:cs typeface="Arial" panose="020B0604020202020204" pitchFamily="34" charset="0"/>
               </a:rPr>
-              <a:t>Characterizing cancer using gene expression has precedence </a:t>
+              <a:t>Characterizing cancer using gene expression or machine learning has precedence </a:t>
             </a:r>
             <a:endParaRPr lang="en-US" dirty="0">
               <a:latin typeface="Arial" panose="020B0604020202020204" pitchFamily="34" charset="0"/>
@@ -11188,13 +11176,13 @@
         </p:nvSpPr>
         <p:spPr>
           <a:xfrm>
-            <a:off x="628650" y="1854653"/>
-            <a:ext cx="7886700" cy="4351338"/>
+            <a:off x="4937179" y="4223988"/>
+            <a:ext cx="4206821" cy="1293028"/>
           </a:xfrm>
         </p:spPr>
         <p:txBody>
           <a:bodyPr>
-            <a:normAutofit/>
+            <a:normAutofit fontScale="32500" lnSpcReduction="20000"/>
           </a:bodyPr>
           <a:lstStyle/>
           <a:p>
@@ -11242,33 +11230,108 @@
             </a:r>
           </a:p>
           <a:p>
+            <a:pPr lvl="1"/>
+            <a:r>
+              <a:rPr lang="en-US" sz="1600" dirty="0">
+                <a:latin typeface="Arial" panose="020B0604020202020204" pitchFamily="34" charset="0"/>
+                <a:cs typeface="Arial" panose="020B0604020202020204" pitchFamily="34" charset="0"/>
+              </a:rPr>
+              <a:t>Using </a:t>
+            </a:r>
+            <a:r>
+              <a:rPr lang="en-US" sz="1600" dirty="0" err="1">
+                <a:latin typeface="Arial" panose="020B0604020202020204" pitchFamily="34" charset="0"/>
+                <a:cs typeface="Arial" panose="020B0604020202020204" pitchFamily="34" charset="0"/>
+              </a:rPr>
+              <a:t>epigenomics</a:t>
+            </a:r>
+            <a:r>
+              <a:rPr lang="en-US" sz="1600" dirty="0">
+                <a:latin typeface="Arial" panose="020B0604020202020204" pitchFamily="34" charset="0"/>
+                <a:cs typeface="Arial" panose="020B0604020202020204" pitchFamily="34" charset="0"/>
+              </a:rPr>
+              <a:t> data to predict gene expression in lung cancer</a:t>
+            </a:r>
+            <a:r>
+              <a:rPr lang="en-US" sz="1600" dirty="0" smtClean="0">
+                <a:latin typeface="Arial" panose="020B0604020202020204" pitchFamily="34" charset="0"/>
+                <a:cs typeface="Arial" panose="020B0604020202020204" pitchFamily="34" charset="0"/>
+              </a:rPr>
+              <a:t>. (Li </a:t>
+            </a:r>
+            <a:r>
+              <a:rPr lang="en-US" sz="1600" i="1" dirty="0" smtClean="0">
+                <a:latin typeface="Arial" panose="020B0604020202020204" pitchFamily="34" charset="0"/>
+                <a:cs typeface="Arial" panose="020B0604020202020204" pitchFamily="34" charset="0"/>
+              </a:rPr>
+              <a:t>et al.</a:t>
+            </a:r>
+            <a:r>
+              <a:rPr lang="en-US" sz="1600" dirty="0" smtClean="0">
+                <a:latin typeface="Arial" panose="020B0604020202020204" pitchFamily="34" charset="0"/>
+                <a:cs typeface="Arial" panose="020B0604020202020204" pitchFamily="34" charset="0"/>
+              </a:rPr>
+              <a:t> 2015)</a:t>
+            </a:r>
+          </a:p>
+          <a:p>
             <a:r>
               <a:rPr lang="en-US" sz="2000" dirty="0">
                 <a:latin typeface="Arial" panose="020B0604020202020204" pitchFamily="34" charset="0"/>
                 <a:cs typeface="Arial" panose="020B0604020202020204" pitchFamily="34" charset="0"/>
               </a:rPr>
-              <a:t>Using </a:t>
-            </a:r>
-            <a:r>
-              <a:rPr lang="en-US" sz="2000" dirty="0" err="1">
+              <a:t>Using high-throughput transcriptomic data for prognosis: a critical overview and perspectives. </a:t>
+            </a:r>
+            <a:r>
+              <a:rPr lang="en-US" sz="2000" dirty="0" smtClean="0">
                 <a:latin typeface="Arial" panose="020B0604020202020204" pitchFamily="34" charset="0"/>
                 <a:cs typeface="Arial" panose="020B0604020202020204" pitchFamily="34" charset="0"/>
               </a:rPr>
-              <a:t>epigenomics</a:t>
-            </a:r>
+              <a:t>(</a:t>
+            </a:r>
+            <a:r>
+              <a:rPr lang="en-US" sz="2000" dirty="0" err="1" smtClean="0">
+                <a:latin typeface="Arial" panose="020B0604020202020204" pitchFamily="34" charset="0"/>
+                <a:cs typeface="Arial" panose="020B0604020202020204" pitchFamily="34" charset="0"/>
+              </a:rPr>
+              <a:t>Domany</a:t>
+            </a:r>
+            <a:r>
+              <a:rPr lang="en-US" sz="2000" dirty="0" smtClean="0">
+                <a:latin typeface="Arial" panose="020B0604020202020204" pitchFamily="34" charset="0"/>
+                <a:cs typeface="Arial" panose="020B0604020202020204" pitchFamily="34" charset="0"/>
+              </a:rPr>
+              <a:t> 2014)</a:t>
+            </a:r>
+          </a:p>
+          <a:p>
             <a:r>
               <a:rPr lang="en-US" sz="2000" dirty="0">
                 <a:latin typeface="Arial" panose="020B0604020202020204" pitchFamily="34" charset="0"/>
                 <a:cs typeface="Arial" panose="020B0604020202020204" pitchFamily="34" charset="0"/>
               </a:rPr>
-              <a:t> data to predict gene expression in lung cancer</a:t>
+              <a:t>Case-based retrieval framework for gene expression data. </a:t>
             </a:r>
             <a:r>
               <a:rPr lang="en-US" sz="2000" dirty="0" smtClean="0">
                 <a:latin typeface="Arial" panose="020B0604020202020204" pitchFamily="34" charset="0"/>
                 <a:cs typeface="Arial" panose="020B0604020202020204" pitchFamily="34" charset="0"/>
               </a:rPr>
-              <a:t>. (Li </a:t>
+              <a:t>(</a:t>
+            </a:r>
+            <a:r>
+              <a:rPr lang="en-US" sz="2000" dirty="0" err="1" smtClean="0">
+                <a:latin typeface="Arial" panose="020B0604020202020204" pitchFamily="34" charset="0"/>
+                <a:cs typeface="Arial" panose="020B0604020202020204" pitchFamily="34" charset="0"/>
+              </a:rPr>
+              <a:t>Anaissi</a:t>
+            </a:r>
+            <a:r>
+              <a:rPr lang="en-US" sz="2000" dirty="0" smtClean="0">
+                <a:latin typeface="Arial" panose="020B0604020202020204" pitchFamily="34" charset="0"/>
+                <a:cs typeface="Arial" panose="020B0604020202020204" pitchFamily="34" charset="0"/>
+              </a:rPr>
+              <a:t> </a:t>
             </a:r>
             <a:r>
               <a:rPr lang="en-US" sz="2000" i="1" dirty="0" smtClean="0">
@@ -11291,58 +11354,14 @@
                 <a:latin typeface="Arial" panose="020B0604020202020204" pitchFamily="34" charset="0"/>
                 <a:cs typeface="Arial" panose="020B0604020202020204" pitchFamily="34" charset="0"/>
               </a:rPr>
-              <a:t>Using high-throughput transcriptomic data for prognosis: a critical overview and perspectives. </a:t>
+              <a:t>Validation and Reproducibility of a Microarray-Based Gene Expression Test for Tumor Identification in Formalin-Fixed, Paraffin-Embedded </a:t>
             </a:r>
             <a:r>
               <a:rPr lang="en-US" sz="2000" dirty="0" smtClean="0">
                 <a:latin typeface="Arial" panose="020B0604020202020204" pitchFamily="34" charset="0"/>
                 <a:cs typeface="Arial" panose="020B0604020202020204" pitchFamily="34" charset="0"/>
               </a:rPr>
-              <a:t>(</a:t>
-            </a:r>
-            <a:r>
-              <a:rPr lang="en-US" sz="2000" dirty="0" err="1" smtClean="0">
-                <a:latin typeface="Arial" panose="020B0604020202020204" pitchFamily="34" charset="0"/>
-                <a:cs typeface="Arial" panose="020B0604020202020204" pitchFamily="34" charset="0"/>
-              </a:rPr>
-              <a:t>Domany</a:t>
-            </a:r>
-            <a:r>
-              <a:rPr lang="en-US" sz="2000" dirty="0" smtClean="0">
-                <a:latin typeface="Arial" panose="020B0604020202020204" pitchFamily="34" charset="0"/>
-                <a:cs typeface="Arial" panose="020B0604020202020204" pitchFamily="34" charset="0"/>
-              </a:rPr>
-              <a:t> 2014)</a:t>
-            </a:r>
-          </a:p>
-          <a:p>
-            <a:r>
-              <a:rPr lang="en-US" sz="2000" dirty="0">
-                <a:latin typeface="Arial" panose="020B0604020202020204" pitchFamily="34" charset="0"/>
-                <a:cs typeface="Arial" panose="020B0604020202020204" pitchFamily="34" charset="0"/>
-              </a:rPr>
-              <a:t>Case-based retrieval framework for gene expression data. </a:t>
-            </a:r>
-            <a:r>
-              <a:rPr lang="en-US" sz="2000" dirty="0" smtClean="0">
-                <a:latin typeface="Arial" panose="020B0604020202020204" pitchFamily="34" charset="0"/>
-                <a:cs typeface="Arial" panose="020B0604020202020204" pitchFamily="34" charset="0"/>
-              </a:rPr>
-              <a:t>(</a:t>
-            </a:r>
-            <a:r>
-              <a:rPr lang="en-US" sz="2000" dirty="0" err="1" smtClean="0">
-                <a:latin typeface="Arial" panose="020B0604020202020204" pitchFamily="34" charset="0"/>
-                <a:cs typeface="Arial" panose="020B0604020202020204" pitchFamily="34" charset="0"/>
-              </a:rPr>
-              <a:t>Anaissi</a:t>
-            </a:r>
-            <a:r>
-              <a:rPr lang="en-US" sz="2000" dirty="0" smtClean="0">
-                <a:latin typeface="Arial" panose="020B0604020202020204" pitchFamily="34" charset="0"/>
-                <a:cs typeface="Arial" panose="020B0604020202020204" pitchFamily="34" charset="0"/>
-              </a:rPr>
-              <a:t> </a:t>
+              <a:t>Specimens (Pillai </a:t>
             </a:r>
             <a:r>
               <a:rPr lang="en-US" sz="2000" i="1" dirty="0" smtClean="0">
@@ -11356,44 +11375,7 @@
                 <a:latin typeface="Arial" panose="020B0604020202020204" pitchFamily="34" charset="0"/>
                 <a:cs typeface="Arial" panose="020B0604020202020204" pitchFamily="34" charset="0"/>
               </a:rPr>
-              <a:t> 2015)</a:t>
-            </a:r>
-          </a:p>
-          <a:p>
-            <a:r>
-              <a:rPr lang="en-US" sz="2000" dirty="0">
-                <a:latin typeface="Arial" panose="020B0604020202020204" pitchFamily="34" charset="0"/>
-                <a:cs typeface="Arial" panose="020B0604020202020204" pitchFamily="34" charset="0"/>
-              </a:rPr>
-              <a:t>Validation and Reproducibility of a Microarray-Based Gene Expression Test for Tumor Identification in Formalin-Fixed, Paraffin-Embedded </a:t>
-            </a:r>
-            <a:r>
-              <a:rPr lang="en-US" sz="2000" dirty="0" smtClean="0">
-                <a:latin typeface="Arial" panose="020B0604020202020204" pitchFamily="34" charset="0"/>
-                <a:cs typeface="Arial" panose="020B0604020202020204" pitchFamily="34" charset="0"/>
-              </a:rPr>
-              <a:t>Specimens (Pillai </a:t>
-            </a:r>
-            <a:r>
-              <a:rPr lang="en-US" sz="2000" i="1" dirty="0" smtClean="0">
-                <a:latin typeface="Arial" panose="020B0604020202020204" pitchFamily="34" charset="0"/>
-                <a:cs typeface="Arial" panose="020B0604020202020204" pitchFamily="34" charset="0"/>
-              </a:rPr>
-              <a:t>et al.</a:t>
-            </a:r>
-            <a:r>
-              <a:rPr lang="en-US" sz="2000" dirty="0" smtClean="0">
-                <a:latin typeface="Arial" panose="020B0604020202020204" pitchFamily="34" charset="0"/>
-                <a:cs typeface="Arial" panose="020B0604020202020204" pitchFamily="34" charset="0"/>
-              </a:rPr>
-              <a:t> 2011</a:t>
-            </a:r>
-            <a:r>
-              <a:rPr lang="en-US" sz="2000" dirty="0" smtClean="0">
-                <a:latin typeface="Arial" panose="020B0604020202020204" pitchFamily="34" charset="0"/>
-                <a:cs typeface="Arial" panose="020B0604020202020204" pitchFamily="34" charset="0"/>
-              </a:rPr>
-              <a:t>)</a:t>
+              <a:t> 2011)</a:t>
             </a:r>
           </a:p>
           <a:p>
@@ -11422,6 +11404,52 @@
               <a:latin typeface="Arial" panose="020B0604020202020204" pitchFamily="34" charset="0"/>
               <a:cs typeface="Arial" panose="020B0604020202020204" pitchFamily="34" charset="0"/>
             </a:endParaRPr>
+          </a:p>
+        </p:txBody>
+      </p:sp>
+      <p:sp>
+        <p:nvSpPr>
+          <p:cNvPr id="5" name="TextBox 4"/>
+          <p:cNvSpPr txBox="1"/>
+          <p:nvPr/>
+        </p:nvSpPr>
+        <p:spPr>
+          <a:xfrm>
+            <a:off x="889000" y="2044700"/>
+            <a:ext cx="4585422" cy="923330"/>
+          </a:xfrm>
+          <a:prstGeom prst="rect">
+            <a:avLst/>
+          </a:prstGeom>
+          <a:noFill/>
+        </p:spPr>
+        <p:txBody>
+          <a:bodyPr wrap="none" rtlCol="0">
+            <a:spAutoFit/>
+          </a:bodyPr>
+          <a:lstStyle/>
+          <a:p>
+            <a:r>
+              <a:rPr lang="en-US" dirty="0" smtClean="0"/>
+              <a:t>Characterizing cancer</a:t>
+            </a:r>
+          </a:p>
+          <a:p>
+            <a:r>
+              <a:rPr lang="en-US" dirty="0" smtClean="0"/>
+              <a:t>BM, SVM, graph based, ANN</a:t>
+            </a:r>
+          </a:p>
+          <a:p>
+            <a:r>
+              <a:rPr lang="en-US" dirty="0" smtClean="0"/>
+              <a:t>Imaging SNP demographic </a:t>
+            </a:r>
+            <a:r>
+              <a:rPr lang="en-US" smtClean="0"/>
+              <a:t>clinical pathological </a:t>
+            </a:r>
+            <a:endParaRPr lang="en-US" dirty="0"/>
           </a:p>
         </p:txBody>
       </p:sp>
@@ -11526,14 +11554,7 @@
                 <a:latin typeface="Arial" panose="020B0604020202020204" pitchFamily="34" charset="0"/>
                 <a:cs typeface="Arial" panose="020B0604020202020204" pitchFamily="34" charset="0"/>
               </a:rPr>
-              <a:t>Primary site cancer </a:t>
-            </a:r>
-            <a:r>
-              <a:rPr lang="en-US" dirty="0" smtClean="0">
-                <a:latin typeface="Arial" panose="020B0604020202020204" pitchFamily="34" charset="0"/>
-                <a:cs typeface="Arial" panose="020B0604020202020204" pitchFamily="34" charset="0"/>
-              </a:rPr>
-              <a:t>type can be determined from gene expression information taken from metastatic site biopsy tissue. </a:t>
+              <a:t>Primary site cancer type can be determined from gene expression information taken from metastatic site biopsy tissue. </a:t>
             </a:r>
             <a:endParaRPr lang="en-US" dirty="0">
               <a:latin typeface="Arial" panose="020B0604020202020204" pitchFamily="34" charset="0"/>
@@ -12851,40 +12872,19 @@
                 <a:latin typeface="Arial" panose="020B0604020202020204" pitchFamily="34" charset="0"/>
                 <a:cs typeface="Arial" panose="020B0604020202020204" pitchFamily="34" charset="0"/>
               </a:rPr>
-              <a:t>52.7 </a:t>
-            </a:r>
+              <a:t>52.7 GB compressed</a:t>
+            </a:r>
+          </a:p>
+          <a:p>
+            <a:pPr marL="0" indent="0">
+              <a:buNone/>
+            </a:pPr>
             <a:r>
               <a:rPr lang="en-US" dirty="0" smtClean="0">
                 <a:latin typeface="Arial" panose="020B0604020202020204" pitchFamily="34" charset="0"/>
                 <a:cs typeface="Arial" panose="020B0604020202020204" pitchFamily="34" charset="0"/>
               </a:rPr>
-              <a:t>GB compressed</a:t>
-            </a:r>
-          </a:p>
-          <a:p>
-            <a:pPr marL="0" indent="0">
-              <a:buNone/>
-            </a:pPr>
-            <a:r>
-              <a:rPr lang="en-US" dirty="0" smtClean="0">
-                <a:latin typeface="Arial" panose="020B0604020202020204" pitchFamily="34" charset="0"/>
-                <a:cs typeface="Arial" panose="020B0604020202020204" pitchFamily="34" charset="0"/>
-              </a:rPr>
-              <a:t>61.0</a:t>
-            </a:r>
-            <a:r>
-              <a:rPr lang="en-US" dirty="0" smtClean="0">
-                <a:latin typeface="Arial" panose="020B0604020202020204" pitchFamily="34" charset="0"/>
-                <a:cs typeface="Arial" panose="020B0604020202020204" pitchFamily="34" charset="0"/>
-              </a:rPr>
-              <a:t> </a:t>
-            </a:r>
-            <a:r>
-              <a:rPr lang="en-US" dirty="0" smtClean="0">
-                <a:latin typeface="Arial" panose="020B0604020202020204" pitchFamily="34" charset="0"/>
-                <a:cs typeface="Arial" panose="020B0604020202020204" pitchFamily="34" charset="0"/>
-              </a:rPr>
-              <a:t>GB uncompressed</a:t>
+              <a:t>61.0 GB uncompressed</a:t>
             </a:r>
             <a:endParaRPr lang="en-US" dirty="0">
               <a:latin typeface="Arial" panose="020B0604020202020204" pitchFamily="34" charset="0"/>
@@ -13130,14 +13130,7 @@
                 <a:latin typeface="Arial" panose="020B0604020202020204" pitchFamily="34" charset="0"/>
                 <a:cs typeface="Arial" panose="020B0604020202020204" pitchFamily="34" charset="0"/>
               </a:rPr>
-              <a:t>#Serializes to .JSON </a:t>
-            </a:r>
-            <a:r>
-              <a:rPr lang="en-US" sz="1800" dirty="0" smtClean="0">
-                <a:latin typeface="Arial" panose="020B0604020202020204" pitchFamily="34" charset="0"/>
-                <a:cs typeface="Arial" panose="020B0604020202020204" pitchFamily="34" charset="0"/>
-              </a:rPr>
-              <a:t>file</a:t>
+              <a:t>#Serializes to .JSON file</a:t>
             </a:r>
             <a:endParaRPr lang="en-US" sz="1800" dirty="0">
               <a:latin typeface="Arial" panose="020B0604020202020204" pitchFamily="34" charset="0"/>
@@ -14389,14 +14382,7 @@
                 <a:latin typeface="Arial" panose="020B0604020202020204" pitchFamily="34" charset="0"/>
                 <a:cs typeface="Arial" panose="020B0604020202020204" pitchFamily="34" charset="0"/>
               </a:rPr>
-              <a:t>. </a:t>
-            </a:r>
-            <a:r>
-              <a:rPr lang="en-US" sz="2400" dirty="0" smtClean="0">
-                <a:latin typeface="Arial" panose="020B0604020202020204" pitchFamily="34" charset="0"/>
-                <a:cs typeface="Arial" panose="020B0604020202020204" pitchFamily="34" charset="0"/>
-              </a:rPr>
-              <a:t>Large data                                                      sets/files </a:t>
+              <a:t>. Large data                                                      sets/files </a:t>
             </a:r>
             <a:endParaRPr lang="en-US" sz="2400" dirty="0">
               <a:latin typeface="Arial" panose="020B0604020202020204" pitchFamily="34" charset="0"/>
@@ -14439,14 +14425,7 @@
                 <a:latin typeface="Arial" panose="020B0604020202020204" pitchFamily="34" charset="0"/>
                 <a:cs typeface="Arial" panose="020B0604020202020204" pitchFamily="34" charset="0"/>
               </a:rPr>
-              <a:t>. </a:t>
-            </a:r>
-            <a:r>
-              <a:rPr lang="en-US" sz="2400" dirty="0" smtClean="0">
-                <a:latin typeface="Arial" panose="020B0604020202020204" pitchFamily="34" charset="0"/>
-                <a:cs typeface="Arial" panose="020B0604020202020204" pitchFamily="34" charset="0"/>
-              </a:rPr>
-              <a:t>Cleared storage space and created test files </a:t>
+              <a:t>. Cleared storage space and created test files </a:t>
             </a:r>
             <a:endParaRPr lang="en-US" sz="2400" dirty="0">
               <a:latin typeface="Arial" panose="020B0604020202020204" pitchFamily="34" charset="0"/>
@@ -14566,14 +14545,7 @@
                 <a:latin typeface="Arial" panose="020B0604020202020204" pitchFamily="34" charset="0"/>
                 <a:cs typeface="Arial" panose="020B0604020202020204" pitchFamily="34" charset="0"/>
               </a:rPr>
-              <a:t>. </a:t>
-            </a:r>
-            <a:r>
-              <a:rPr lang="en-US" sz="2400" dirty="0" smtClean="0">
-                <a:latin typeface="Arial" panose="020B0604020202020204" pitchFamily="34" charset="0"/>
-                <a:cs typeface="Arial" panose="020B0604020202020204" pitchFamily="34" charset="0"/>
-              </a:rPr>
-              <a:t>Microarray vs </a:t>
+              <a:t>. Microarray vs </a:t>
             </a:r>
             <a:r>
               <a:rPr lang="en-US" sz="2400" dirty="0" err="1" smtClean="0">
@@ -14623,14 +14595,7 @@
                 <a:latin typeface="Arial" panose="020B0604020202020204" pitchFamily="34" charset="0"/>
                 <a:cs typeface="Arial" panose="020B0604020202020204" pitchFamily="34" charset="0"/>
               </a:rPr>
-              <a:t>. </a:t>
-            </a:r>
-            <a:r>
-              <a:rPr lang="en-US" sz="2400" dirty="0" smtClean="0">
-                <a:latin typeface="Arial" panose="020B0604020202020204" pitchFamily="34" charset="0"/>
-                <a:cs typeface="Arial" panose="020B0604020202020204" pitchFamily="34" charset="0"/>
-              </a:rPr>
-              <a:t>Gene model counter program</a:t>
+              <a:t>. Gene model counter program</a:t>
             </a:r>
           </a:p>
           <a:p>

--- a/Powerpoint/ProjectPresentation_Draft.pptx
+++ b/Powerpoint/ProjectPresentation_Draft.pptx
@@ -221,7 +221,7 @@
           <a:p>
             <a:fld id="{B7C7631C-A9DC-41CB-8361-5DDD15E7CE5C}" type="datetimeFigureOut">
               <a:rPr lang="en-US" smtClean="0"/>
-              <a:t>4/30/2015</a:t>
+              <a:t>4/29/2015</a:t>
             </a:fld>
             <a:endParaRPr lang="en-US"/>
           </a:p>
@@ -545,7 +545,11 @@
             </a:r>
             <a:r>
               <a:rPr lang="en-US" baseline="0" dirty="0" smtClean="0"/>
-              <a:t> and tumor suppression genes especially</a:t>
+              <a:t> </a:t>
+            </a:r>
+            <a:r>
+              <a:rPr lang="en-US" baseline="0" dirty="0" smtClean="0"/>
+              <a:t>and tumor suppression genes especially</a:t>
             </a:r>
             <a:endParaRPr lang="en-US" dirty="0"/>
           </a:p>
@@ -1354,7 +1358,11 @@
           <a:p>
             <a:r>
               <a:rPr lang="en-US" sz="1200" dirty="0" smtClean="0"/>
-              <a:t>Lesson learned: look at you data very carefully!</a:t>
+              <a:t>Lesson </a:t>
+            </a:r>
+            <a:r>
+              <a:rPr lang="en-US" sz="1200" dirty="0" smtClean="0"/>
+              <a:t>learned: look at you data very carefully!</a:t>
             </a:r>
             <a:endParaRPr lang="en-US" dirty="0"/>
           </a:p>
@@ -1791,7 +1799,7 @@
           <a:p>
             <a:fld id="{3725F9EA-79D2-4A85-AF2B-6AD6962FCEAD}" type="datetimeFigureOut">
               <a:rPr lang="en-US" smtClean="0"/>
-              <a:t>4/30/2015</a:t>
+              <a:t>4/29/2015</a:t>
             </a:fld>
             <a:endParaRPr lang="en-US"/>
           </a:p>
@@ -1961,7 +1969,7 @@
           <a:p>
             <a:fld id="{3725F9EA-79D2-4A85-AF2B-6AD6962FCEAD}" type="datetimeFigureOut">
               <a:rPr lang="en-US" smtClean="0"/>
-              <a:t>4/30/2015</a:t>
+              <a:t>4/29/2015</a:t>
             </a:fld>
             <a:endParaRPr lang="en-US"/>
           </a:p>
@@ -2141,7 +2149,7 @@
           <a:p>
             <a:fld id="{3725F9EA-79D2-4A85-AF2B-6AD6962FCEAD}" type="datetimeFigureOut">
               <a:rPr lang="en-US" smtClean="0"/>
-              <a:t>4/30/2015</a:t>
+              <a:t>4/29/2015</a:t>
             </a:fld>
             <a:endParaRPr lang="en-US"/>
           </a:p>
@@ -2311,7 +2319,7 @@
           <a:p>
             <a:fld id="{3725F9EA-79D2-4A85-AF2B-6AD6962FCEAD}" type="datetimeFigureOut">
               <a:rPr lang="en-US" smtClean="0"/>
-              <a:t>4/30/2015</a:t>
+              <a:t>4/29/2015</a:t>
             </a:fld>
             <a:endParaRPr lang="en-US"/>
           </a:p>
@@ -2555,7 +2563,7 @@
           <a:p>
             <a:fld id="{3725F9EA-79D2-4A85-AF2B-6AD6962FCEAD}" type="datetimeFigureOut">
               <a:rPr lang="en-US" smtClean="0"/>
-              <a:t>4/30/2015</a:t>
+              <a:t>4/29/2015</a:t>
             </a:fld>
             <a:endParaRPr lang="en-US"/>
           </a:p>
@@ -2787,7 +2795,7 @@
           <a:p>
             <a:fld id="{3725F9EA-79D2-4A85-AF2B-6AD6962FCEAD}" type="datetimeFigureOut">
               <a:rPr lang="en-US" smtClean="0"/>
-              <a:t>4/30/2015</a:t>
+              <a:t>4/29/2015</a:t>
             </a:fld>
             <a:endParaRPr lang="en-US"/>
           </a:p>
@@ -3154,7 +3162,7 @@
           <a:p>
             <a:fld id="{3725F9EA-79D2-4A85-AF2B-6AD6962FCEAD}" type="datetimeFigureOut">
               <a:rPr lang="en-US" smtClean="0"/>
-              <a:t>4/30/2015</a:t>
+              <a:t>4/29/2015</a:t>
             </a:fld>
             <a:endParaRPr lang="en-US"/>
           </a:p>
@@ -3272,7 +3280,7 @@
           <a:p>
             <a:fld id="{3725F9EA-79D2-4A85-AF2B-6AD6962FCEAD}" type="datetimeFigureOut">
               <a:rPr lang="en-US" smtClean="0"/>
-              <a:t>4/30/2015</a:t>
+              <a:t>4/29/2015</a:t>
             </a:fld>
             <a:endParaRPr lang="en-US"/>
           </a:p>
@@ -3367,7 +3375,7 @@
           <a:p>
             <a:fld id="{3725F9EA-79D2-4A85-AF2B-6AD6962FCEAD}" type="datetimeFigureOut">
               <a:rPr lang="en-US" smtClean="0"/>
-              <a:t>4/30/2015</a:t>
+              <a:t>4/29/2015</a:t>
             </a:fld>
             <a:endParaRPr lang="en-US"/>
           </a:p>
@@ -3644,7 +3652,7 @@
           <a:p>
             <a:fld id="{3725F9EA-79D2-4A85-AF2B-6AD6962FCEAD}" type="datetimeFigureOut">
               <a:rPr lang="en-US" smtClean="0"/>
-              <a:t>4/30/2015</a:t>
+              <a:t>4/29/2015</a:t>
             </a:fld>
             <a:endParaRPr lang="en-US"/>
           </a:p>
@@ -3901,7 +3909,7 @@
           <a:p>
             <a:fld id="{3725F9EA-79D2-4A85-AF2B-6AD6962FCEAD}" type="datetimeFigureOut">
               <a:rPr lang="en-US" smtClean="0"/>
-              <a:t>4/30/2015</a:t>
+              <a:t>4/29/2015</a:t>
             </a:fld>
             <a:endParaRPr lang="en-US"/>
           </a:p>
@@ -4114,7 +4122,7 @@
           <a:p>
             <a:fld id="{3725F9EA-79D2-4A85-AF2B-6AD6962FCEAD}" type="datetimeFigureOut">
               <a:rPr lang="en-US" smtClean="0"/>
-              <a:t>4/30/2015</a:t>
+              <a:t>4/29/2015</a:t>
             </a:fld>
             <a:endParaRPr lang="en-US"/>
           </a:p>
@@ -10731,6 +10739,10 @@
               </a:rPr>
               <a:t>This application can find primary cancer site from biopsy data from metastatic sites </a:t>
             </a:r>
+            <a:endParaRPr lang="en-US" dirty="0" smtClean="0">
+              <a:latin typeface="Arial" panose="020B0604020202020204" pitchFamily="34" charset="0"/>
+              <a:cs typeface="Arial" panose="020B0604020202020204" pitchFamily="34" charset="0"/>
+            </a:endParaRPr>
           </a:p>
           <a:p>
             <a:pPr lvl="1"/>
@@ -11141,7 +11153,7 @@
         <p:spPr>
           <a:xfrm>
             <a:off x="628650" y="365126"/>
-            <a:ext cx="7886700" cy="1463674"/>
+            <a:ext cx="7886700" cy="1325563"/>
           </a:xfrm>
         </p:spPr>
         <p:txBody>
@@ -11155,7 +11167,7 @@
                 <a:latin typeface="Arial" panose="020B0604020202020204" pitchFamily="34" charset="0"/>
                 <a:cs typeface="Arial" panose="020B0604020202020204" pitchFamily="34" charset="0"/>
               </a:rPr>
-              <a:t>Characterizing cancer using gene expression or machine learning has precedence </a:t>
+              <a:t>Characterizing cancer using gene expression has precedence </a:t>
             </a:r>
             <a:endParaRPr lang="en-US" dirty="0">
               <a:latin typeface="Arial" panose="020B0604020202020204" pitchFamily="34" charset="0"/>
@@ -11176,13 +11188,13 @@
         </p:nvSpPr>
         <p:spPr>
           <a:xfrm>
-            <a:off x="4937179" y="4223988"/>
-            <a:ext cx="4206821" cy="1293028"/>
+            <a:off x="628650" y="1854653"/>
+            <a:ext cx="7886700" cy="4351338"/>
           </a:xfrm>
         </p:spPr>
         <p:txBody>
           <a:bodyPr>
-            <a:normAutofit fontScale="32500" lnSpcReduction="20000"/>
+            <a:normAutofit/>
           </a:bodyPr>
           <a:lstStyle/>
           <a:p>
@@ -11230,44 +11242,43 @@
             </a:r>
           </a:p>
           <a:p>
-            <a:pPr lvl="1"/>
-            <a:r>
-              <a:rPr lang="en-US" sz="1600" dirty="0">
+            <a:r>
+              <a:rPr lang="en-US" sz="2000" dirty="0">
                 <a:latin typeface="Arial" panose="020B0604020202020204" pitchFamily="34" charset="0"/>
                 <a:cs typeface="Arial" panose="020B0604020202020204" pitchFamily="34" charset="0"/>
               </a:rPr>
               <a:t>Using </a:t>
             </a:r>
             <a:r>
-              <a:rPr lang="en-US" sz="1600" dirty="0" err="1">
+              <a:rPr lang="en-US" sz="2000" dirty="0" err="1">
                 <a:latin typeface="Arial" panose="020B0604020202020204" pitchFamily="34" charset="0"/>
                 <a:cs typeface="Arial" panose="020B0604020202020204" pitchFamily="34" charset="0"/>
               </a:rPr>
               <a:t>epigenomics</a:t>
             </a:r>
             <a:r>
-              <a:rPr lang="en-US" sz="1600" dirty="0">
+              <a:rPr lang="en-US" sz="2000" dirty="0">
                 <a:latin typeface="Arial" panose="020B0604020202020204" pitchFamily="34" charset="0"/>
                 <a:cs typeface="Arial" panose="020B0604020202020204" pitchFamily="34" charset="0"/>
               </a:rPr>
               <a:t> data to predict gene expression in lung cancer</a:t>
             </a:r>
             <a:r>
-              <a:rPr lang="en-US" sz="1600" dirty="0" smtClean="0">
+              <a:rPr lang="en-US" sz="2000" dirty="0" smtClean="0">
                 <a:latin typeface="Arial" panose="020B0604020202020204" pitchFamily="34" charset="0"/>
                 <a:cs typeface="Arial" panose="020B0604020202020204" pitchFamily="34" charset="0"/>
               </a:rPr>
               <a:t>. (Li </a:t>
             </a:r>
             <a:r>
-              <a:rPr lang="en-US" sz="1600" i="1" dirty="0" smtClean="0">
+              <a:rPr lang="en-US" sz="2000" i="1" dirty="0" smtClean="0">
                 <a:latin typeface="Arial" panose="020B0604020202020204" pitchFamily="34" charset="0"/>
                 <a:cs typeface="Arial" panose="020B0604020202020204" pitchFamily="34" charset="0"/>
               </a:rPr>
               <a:t>et al.</a:t>
             </a:r>
             <a:r>
-              <a:rPr lang="en-US" sz="1600" dirty="0" smtClean="0">
+              <a:rPr lang="en-US" sz="2000" dirty="0" smtClean="0">
                 <a:latin typeface="Arial" panose="020B0604020202020204" pitchFamily="34" charset="0"/>
                 <a:cs typeface="Arial" panose="020B0604020202020204" pitchFamily="34" charset="0"/>
               </a:rPr>
@@ -11375,7 +11386,14 @@
                 <a:latin typeface="Arial" panose="020B0604020202020204" pitchFamily="34" charset="0"/>
                 <a:cs typeface="Arial" panose="020B0604020202020204" pitchFamily="34" charset="0"/>
               </a:rPr>
-              <a:t> 2011)</a:t>
+              <a:t> 2011</a:t>
+            </a:r>
+            <a:r>
+              <a:rPr lang="en-US" sz="2000" dirty="0" smtClean="0">
+                <a:latin typeface="Arial" panose="020B0604020202020204" pitchFamily="34" charset="0"/>
+                <a:cs typeface="Arial" panose="020B0604020202020204" pitchFamily="34" charset="0"/>
+              </a:rPr>
+              <a:t>)</a:t>
             </a:r>
           </a:p>
           <a:p>
@@ -11404,52 +11422,6 @@
               <a:latin typeface="Arial" panose="020B0604020202020204" pitchFamily="34" charset="0"/>
               <a:cs typeface="Arial" panose="020B0604020202020204" pitchFamily="34" charset="0"/>
             </a:endParaRPr>
-          </a:p>
-        </p:txBody>
-      </p:sp>
-      <p:sp>
-        <p:nvSpPr>
-          <p:cNvPr id="5" name="TextBox 4"/>
-          <p:cNvSpPr txBox="1"/>
-          <p:nvPr/>
-        </p:nvSpPr>
-        <p:spPr>
-          <a:xfrm>
-            <a:off x="889000" y="2044700"/>
-            <a:ext cx="4585422" cy="923330"/>
-          </a:xfrm>
-          <a:prstGeom prst="rect">
-            <a:avLst/>
-          </a:prstGeom>
-          <a:noFill/>
-        </p:spPr>
-        <p:txBody>
-          <a:bodyPr wrap="none" rtlCol="0">
-            <a:spAutoFit/>
-          </a:bodyPr>
-          <a:lstStyle/>
-          <a:p>
-            <a:r>
-              <a:rPr lang="en-US" dirty="0" smtClean="0"/>
-              <a:t>Characterizing cancer</a:t>
-            </a:r>
-          </a:p>
-          <a:p>
-            <a:r>
-              <a:rPr lang="en-US" dirty="0" smtClean="0"/>
-              <a:t>BM, SVM, graph based, ANN</a:t>
-            </a:r>
-          </a:p>
-          <a:p>
-            <a:r>
-              <a:rPr lang="en-US" dirty="0" smtClean="0"/>
-              <a:t>Imaging SNP demographic </a:t>
-            </a:r>
-            <a:r>
-              <a:rPr lang="en-US" smtClean="0"/>
-              <a:t>clinical pathological </a:t>
-            </a:r>
-            <a:endParaRPr lang="en-US" dirty="0"/>
           </a:p>
         </p:txBody>
       </p:sp>
@@ -11554,7 +11526,14 @@
                 <a:latin typeface="Arial" panose="020B0604020202020204" pitchFamily="34" charset="0"/>
                 <a:cs typeface="Arial" panose="020B0604020202020204" pitchFamily="34" charset="0"/>
               </a:rPr>
-              <a:t>Primary site cancer type can be determined from gene expression information taken from metastatic site biopsy tissue. </a:t>
+              <a:t>Primary site cancer </a:t>
+            </a:r>
+            <a:r>
+              <a:rPr lang="en-US" dirty="0" smtClean="0">
+                <a:latin typeface="Arial" panose="020B0604020202020204" pitchFamily="34" charset="0"/>
+                <a:cs typeface="Arial" panose="020B0604020202020204" pitchFamily="34" charset="0"/>
+              </a:rPr>
+              <a:t>type can be determined from gene expression information taken from metastatic site biopsy tissue. </a:t>
             </a:r>
             <a:endParaRPr lang="en-US" dirty="0">
               <a:latin typeface="Arial" panose="020B0604020202020204" pitchFamily="34" charset="0"/>
@@ -12872,7 +12851,14 @@
                 <a:latin typeface="Arial" panose="020B0604020202020204" pitchFamily="34" charset="0"/>
                 <a:cs typeface="Arial" panose="020B0604020202020204" pitchFamily="34" charset="0"/>
               </a:rPr>
-              <a:t>52.7 GB compressed</a:t>
+              <a:t>52.7 </a:t>
+            </a:r>
+            <a:r>
+              <a:rPr lang="en-US" dirty="0" smtClean="0">
+                <a:latin typeface="Arial" panose="020B0604020202020204" pitchFamily="34" charset="0"/>
+                <a:cs typeface="Arial" panose="020B0604020202020204" pitchFamily="34" charset="0"/>
+              </a:rPr>
+              <a:t>GB compressed</a:t>
             </a:r>
           </a:p>
           <a:p>
@@ -12884,7 +12870,21 @@
                 <a:latin typeface="Arial" panose="020B0604020202020204" pitchFamily="34" charset="0"/>
                 <a:cs typeface="Arial" panose="020B0604020202020204" pitchFamily="34" charset="0"/>
               </a:rPr>
-              <a:t>61.0 GB uncompressed</a:t>
+              <a:t>61.0</a:t>
+            </a:r>
+            <a:r>
+              <a:rPr lang="en-US" dirty="0" smtClean="0">
+                <a:latin typeface="Arial" panose="020B0604020202020204" pitchFamily="34" charset="0"/>
+                <a:cs typeface="Arial" panose="020B0604020202020204" pitchFamily="34" charset="0"/>
+              </a:rPr>
+              <a:t> </a:t>
+            </a:r>
+            <a:r>
+              <a:rPr lang="en-US" dirty="0" smtClean="0">
+                <a:latin typeface="Arial" panose="020B0604020202020204" pitchFamily="34" charset="0"/>
+                <a:cs typeface="Arial" panose="020B0604020202020204" pitchFamily="34" charset="0"/>
+              </a:rPr>
+              <a:t>GB uncompressed</a:t>
             </a:r>
             <a:endParaRPr lang="en-US" dirty="0">
               <a:latin typeface="Arial" panose="020B0604020202020204" pitchFamily="34" charset="0"/>
@@ -13130,7 +13130,14 @@
                 <a:latin typeface="Arial" panose="020B0604020202020204" pitchFamily="34" charset="0"/>
                 <a:cs typeface="Arial" panose="020B0604020202020204" pitchFamily="34" charset="0"/>
               </a:rPr>
-              <a:t>#Serializes to .JSON file</a:t>
+              <a:t>#Serializes to .JSON </a:t>
+            </a:r>
+            <a:r>
+              <a:rPr lang="en-US" sz="1800" dirty="0" smtClean="0">
+                <a:latin typeface="Arial" panose="020B0604020202020204" pitchFamily="34" charset="0"/>
+                <a:cs typeface="Arial" panose="020B0604020202020204" pitchFamily="34" charset="0"/>
+              </a:rPr>
+              <a:t>file</a:t>
             </a:r>
             <a:endParaRPr lang="en-US" sz="1800" dirty="0">
               <a:latin typeface="Arial" panose="020B0604020202020204" pitchFamily="34" charset="0"/>
@@ -14382,7 +14389,14 @@
                 <a:latin typeface="Arial" panose="020B0604020202020204" pitchFamily="34" charset="0"/>
                 <a:cs typeface="Arial" panose="020B0604020202020204" pitchFamily="34" charset="0"/>
               </a:rPr>
-              <a:t>. Large data                                                      sets/files </a:t>
+              <a:t>. </a:t>
+            </a:r>
+            <a:r>
+              <a:rPr lang="en-US" sz="2400" dirty="0" smtClean="0">
+                <a:latin typeface="Arial" panose="020B0604020202020204" pitchFamily="34" charset="0"/>
+                <a:cs typeface="Arial" panose="020B0604020202020204" pitchFamily="34" charset="0"/>
+              </a:rPr>
+              <a:t>Large data                                                      sets/files </a:t>
             </a:r>
             <a:endParaRPr lang="en-US" sz="2400" dirty="0">
               <a:latin typeface="Arial" panose="020B0604020202020204" pitchFamily="34" charset="0"/>
@@ -14425,7 +14439,14 @@
                 <a:latin typeface="Arial" panose="020B0604020202020204" pitchFamily="34" charset="0"/>
                 <a:cs typeface="Arial" panose="020B0604020202020204" pitchFamily="34" charset="0"/>
               </a:rPr>
-              <a:t>. Cleared storage space and created test files </a:t>
+              <a:t>. </a:t>
+            </a:r>
+            <a:r>
+              <a:rPr lang="en-US" sz="2400" dirty="0" smtClean="0">
+                <a:latin typeface="Arial" panose="020B0604020202020204" pitchFamily="34" charset="0"/>
+                <a:cs typeface="Arial" panose="020B0604020202020204" pitchFamily="34" charset="0"/>
+              </a:rPr>
+              <a:t>Cleared storage space and created test files </a:t>
             </a:r>
             <a:endParaRPr lang="en-US" sz="2400" dirty="0">
               <a:latin typeface="Arial" panose="020B0604020202020204" pitchFamily="34" charset="0"/>
@@ -14545,7 +14566,14 @@
                 <a:latin typeface="Arial" panose="020B0604020202020204" pitchFamily="34" charset="0"/>
                 <a:cs typeface="Arial" panose="020B0604020202020204" pitchFamily="34" charset="0"/>
               </a:rPr>
-              <a:t>. Microarray vs </a:t>
+              <a:t>. </a:t>
+            </a:r>
+            <a:r>
+              <a:rPr lang="en-US" sz="2400" dirty="0" smtClean="0">
+                <a:latin typeface="Arial" panose="020B0604020202020204" pitchFamily="34" charset="0"/>
+                <a:cs typeface="Arial" panose="020B0604020202020204" pitchFamily="34" charset="0"/>
+              </a:rPr>
+              <a:t>Microarray vs </a:t>
             </a:r>
             <a:r>
               <a:rPr lang="en-US" sz="2400" dirty="0" err="1" smtClean="0">
@@ -14595,7 +14623,14 @@
                 <a:latin typeface="Arial" panose="020B0604020202020204" pitchFamily="34" charset="0"/>
                 <a:cs typeface="Arial" panose="020B0604020202020204" pitchFamily="34" charset="0"/>
               </a:rPr>
-              <a:t>. Gene model counter program</a:t>
+              <a:t>. </a:t>
+            </a:r>
+            <a:r>
+              <a:rPr lang="en-US" sz="2400" dirty="0" smtClean="0">
+                <a:latin typeface="Arial" panose="020B0604020202020204" pitchFamily="34" charset="0"/>
+                <a:cs typeface="Arial" panose="020B0604020202020204" pitchFamily="34" charset="0"/>
+              </a:rPr>
+              <a:t>Gene model counter program</a:t>
             </a:r>
           </a:p>
           <a:p>
